--- a/V2X Commu. Docx/PPT's/Presentaion1.pptx
+++ b/V2X Commu. Docx/PPT's/Presentaion1.pptx
@@ -5,7 +5,7 @@
     <p:sldMasterId id="2147483648" r:id="rId1"/>
   </p:sldMasterIdLst>
   <p:notesMasterIdLst>
-    <p:notesMasterId r:id="rId9"/>
+    <p:notesMasterId r:id="rId10"/>
   </p:notesMasterIdLst>
   <p:sldIdLst>
     <p:sldId id="256" r:id="rId2"/>
@@ -15,6 +15,7 @@
     <p:sldId id="260" r:id="rId6"/>
     <p:sldId id="261" r:id="rId7"/>
     <p:sldId id="262" r:id="rId8"/>
+    <p:sldId id="263" r:id="rId9"/>
   </p:sldIdLst>
   <p:sldSz cx="9144000" cy="6858000" type="screen4x3"/>
   <p:notesSz cx="6858000" cy="9144000"/>
@@ -263,7 +264,7 @@
       </p15:sldGuideLst>
     </p:ext>
     <p:ext uri="GoogleSlidesCustomDataVersion2">
-      <go:slidesCustomData xmlns="" xmlns:mc="http://schemas.openxmlformats.org/markup-compatibility/2006" xmlns:mv="urn:schemas-microsoft-com:mac:vml" xmlns:c="http://schemas.openxmlformats.org/drawingml/2006/chart" xmlns:dgm="http://schemas.openxmlformats.org/drawingml/2006/diagram" xmlns:o="urn:schemas-microsoft-com:office:office" xmlns:v="urn:schemas-microsoft-com:vml" xmlns:pvml="urn:schemas-microsoft-com:office:powerpoint" xmlns:com="http://schemas.openxmlformats.org/drawingml/2006/compatibility" xmlns:p14="http://schemas.microsoft.com/office/powerpoint/2010/main" xmlns:p15="http://schemas.microsoft.com/office/powerpoint/2012/main" xmlns:ahyp="http://schemas.microsoft.com/office/drawing/2018/hyperlinkcolor" xmlns:go="http://customooxmlschemas.google.com/" r:id="rId13" roundtripDataSignature="AMtx7mjvwnRGtHpMbeZ+DVwc7WWCIQZ69w=="/>
+      <go:slidesCustomData xmlns:go="http://customooxmlschemas.google.com/" xmlns:ahyp="http://schemas.microsoft.com/office/drawing/2018/hyperlinkcolor" xmlns:p15="http://schemas.microsoft.com/office/powerpoint/2012/main" xmlns:p14="http://schemas.microsoft.com/office/powerpoint/2010/main" xmlns:com="http://schemas.openxmlformats.org/drawingml/2006/compatibility" xmlns:pvml="urn:schemas-microsoft-com:office:powerpoint" xmlns:v="urn:schemas-microsoft-com:vml" xmlns:o="urn:schemas-microsoft-com:office:office" xmlns:dgm="http://schemas.openxmlformats.org/drawingml/2006/diagram" xmlns:c="http://schemas.openxmlformats.org/drawingml/2006/chart" xmlns:mv="urn:schemas-microsoft-com:mac:vml" xmlns:mc="http://schemas.openxmlformats.org/markup-compatibility/2006" xmlns="" r:id="rId13" roundtripDataSignature="AMtx7mjvwnRGtHpMbeZ+DVwc7WWCIQZ69w=="/>
     </p:ext>
   </p:extLst>
 </p:presentation>
@@ -2603,6 +2604,199 @@
         </p:txBody>
       </p:sp>
     </p:spTree>
+  </p:cSld>
+  <p:clrMapOvr>
+    <a:masterClrMapping/>
+  </p:clrMapOvr>
+</p:notes>
+</file>
+
+<file path=ppt/notesSlides/notesSlide8.xml><?xml version="1.0" encoding="utf-8"?>
+<p:notes xmlns:a="http://schemas.openxmlformats.org/drawingml/2006/main" xmlns:r="http://schemas.openxmlformats.org/officeDocument/2006/relationships" xmlns:p="http://schemas.openxmlformats.org/presentationml/2006/main" showMasterSp="0" showMasterPhAnim="0">
+  <p:cSld>
+    <p:spTree>
+      <p:nvGrpSpPr>
+        <p:cNvPr id="1" name="Shape 169">
+          <a:extLst>
+            <a:ext uri="{FF2B5EF4-FFF2-40B4-BE49-F238E27FC236}">
+              <a16:creationId xmlns:a16="http://schemas.microsoft.com/office/drawing/2014/main" id="{711727F3-995E-BCF5-0FC0-0FB1713AB2C0}"/>
+            </a:ext>
+          </a:extLst>
+        </p:cNvPr>
+        <p:cNvGrpSpPr/>
+        <p:nvPr/>
+      </p:nvGrpSpPr>
+      <p:grpSpPr>
+        <a:xfrm>
+          <a:off x="0" y="0"/>
+          <a:ext cx="0" cy="0"/>
+          <a:chOff x="0" y="0"/>
+          <a:chExt cx="0" cy="0"/>
+        </a:xfrm>
+      </p:grpSpPr>
+      <p:sp>
+        <p:nvSpPr>
+          <p:cNvPr id="170" name="Google Shape;170;p7:notes">
+            <a:extLst>
+              <a:ext uri="{FF2B5EF4-FFF2-40B4-BE49-F238E27FC236}">
+                <a16:creationId xmlns:a16="http://schemas.microsoft.com/office/drawing/2014/main" id="{6F8D9016-456F-5489-9A12-8D128587696C}"/>
+              </a:ext>
+            </a:extLst>
+          </p:cNvPr>
+          <p:cNvSpPr>
+            <a:spLocks noGrp="1" noRot="1" noChangeAspect="1"/>
+          </p:cNvSpPr>
+          <p:nvPr>
+            <p:ph type="sldImg" idx="2"/>
+          </p:nvPr>
+        </p:nvSpPr>
+        <p:spPr>
+          <a:xfrm>
+            <a:off x="1143000" y="685800"/>
+            <a:ext cx="4572000" cy="3429000"/>
+          </a:xfrm>
+          <a:custGeom>
+            <a:avLst/>
+            <a:gdLst/>
+            <a:ahLst/>
+            <a:cxnLst/>
+            <a:rect l="l" t="t" r="r" b="b"/>
+            <a:pathLst>
+              <a:path w="120000" h="120000" extrusionOk="0">
+                <a:moveTo>
+                  <a:pt x="0" y="0"/>
+                </a:moveTo>
+                <a:lnTo>
+                  <a:pt x="120000" y="0"/>
+                </a:lnTo>
+                <a:lnTo>
+                  <a:pt x="120000" y="120000"/>
+                </a:lnTo>
+                <a:lnTo>
+                  <a:pt x="0" y="120000"/>
+                </a:lnTo>
+                <a:close/>
+              </a:path>
+            </a:pathLst>
+          </a:custGeom>
+          <a:noFill/>
+          <a:ln w="12700" cap="flat" cmpd="sng">
+            <a:solidFill>
+              <a:srgbClr val="000000"/>
+            </a:solidFill>
+            <a:prstDash val="solid"/>
+            <a:round/>
+            <a:headEnd type="none" w="sm" len="sm"/>
+            <a:tailEnd type="none" w="sm" len="sm"/>
+          </a:ln>
+        </p:spPr>
+      </p:sp>
+      <p:sp>
+        <p:nvSpPr>
+          <p:cNvPr id="171" name="Google Shape;171;p7:notes">
+            <a:extLst>
+              <a:ext uri="{FF2B5EF4-FFF2-40B4-BE49-F238E27FC236}">
+                <a16:creationId xmlns:a16="http://schemas.microsoft.com/office/drawing/2014/main" id="{005B7239-14AA-1EE2-708C-FB0C291CB1FD}"/>
+              </a:ext>
+            </a:extLst>
+          </p:cNvPr>
+          <p:cNvSpPr txBox="1">
+            <a:spLocks noGrp="1"/>
+          </p:cNvSpPr>
+          <p:nvPr>
+            <p:ph type="body" idx="1"/>
+          </p:nvPr>
+        </p:nvSpPr>
+        <p:spPr>
+          <a:xfrm>
+            <a:off x="685800" y="4343400"/>
+            <a:ext cx="5486400" cy="4114800"/>
+          </a:xfrm>
+          <a:prstGeom prst="rect">
+            <a:avLst/>
+          </a:prstGeom>
+          <a:noFill/>
+          <a:ln>
+            <a:noFill/>
+          </a:ln>
+        </p:spPr>
+        <p:txBody>
+          <a:bodyPr spcFirstLastPara="1" wrap="square" lIns="91425" tIns="45700" rIns="91425" bIns="45700" anchor="t" anchorCtr="0">
+            <a:normAutofit/>
+          </a:bodyPr>
+          <a:lstStyle/>
+          <a:p>
+            <a:pPr marL="0" lvl="0" indent="0" algn="l" rtl="0">
+              <a:spcBef>
+                <a:spcPts val="0"/>
+              </a:spcBef>
+              <a:spcAft>
+                <a:spcPts val="0"/>
+              </a:spcAft>
+              <a:buNone/>
+            </a:pPr>
+            <a:endParaRPr/>
+          </a:p>
+        </p:txBody>
+      </p:sp>
+      <p:sp>
+        <p:nvSpPr>
+          <p:cNvPr id="172" name="Google Shape;172;p7:notes">
+            <a:extLst>
+              <a:ext uri="{FF2B5EF4-FFF2-40B4-BE49-F238E27FC236}">
+                <a16:creationId xmlns:a16="http://schemas.microsoft.com/office/drawing/2014/main" id="{5BF5B205-6731-4D0D-32DC-7A9EB100D341}"/>
+              </a:ext>
+            </a:extLst>
+          </p:cNvPr>
+          <p:cNvSpPr txBox="1">
+            <a:spLocks noGrp="1"/>
+          </p:cNvSpPr>
+          <p:nvPr>
+            <p:ph type="sldNum" idx="12"/>
+          </p:nvPr>
+        </p:nvSpPr>
+        <p:spPr>
+          <a:xfrm>
+            <a:off x="3884613" y="8685213"/>
+            <a:ext cx="2971800" cy="457200"/>
+          </a:xfrm>
+          <a:prstGeom prst="rect">
+            <a:avLst/>
+          </a:prstGeom>
+          <a:noFill/>
+          <a:ln>
+            <a:noFill/>
+          </a:ln>
+        </p:spPr>
+        <p:txBody>
+          <a:bodyPr spcFirstLastPara="1" wrap="square" lIns="91425" tIns="45700" rIns="91425" bIns="45700" anchor="b" anchorCtr="0">
+            <a:noAutofit/>
+          </a:bodyPr>
+          <a:lstStyle/>
+          <a:p>
+            <a:pPr marL="0" lvl="0" indent="0" algn="r" rtl="0">
+              <a:spcBef>
+                <a:spcPts val="0"/>
+              </a:spcBef>
+              <a:spcAft>
+                <a:spcPts val="0"/>
+              </a:spcAft>
+              <a:buNone/>
+            </a:pPr>
+            <a:fld id="{00000000-1234-1234-1234-123412341234}" type="slidenum">
+              <a:rPr lang="en-US"/>
+              <a:t>8</a:t>
+            </a:fld>
+            <a:endParaRPr/>
+          </a:p>
+        </p:txBody>
+      </p:sp>
+    </p:spTree>
+    <p:extLst>
+      <p:ext uri="{BB962C8B-B14F-4D97-AF65-F5344CB8AC3E}">
+        <p14:creationId xmlns:p14="http://schemas.microsoft.com/office/powerpoint/2010/main" val="2424804344"/>
+      </p:ext>
+    </p:extLst>
   </p:cSld>
   <p:clrMapOvr>
     <a:masterClrMapping/>
@@ -17343,6 +17537,622 @@
 </p:sld>
 </file>
 
+<file path=ppt/slides/slide8.xml><?xml version="1.0" encoding="utf-8"?>
+<p:sld xmlns:a="http://schemas.openxmlformats.org/drawingml/2006/main" xmlns:r="http://schemas.openxmlformats.org/officeDocument/2006/relationships" xmlns:p="http://schemas.openxmlformats.org/presentationml/2006/main">
+  <p:cSld>
+    <p:spTree>
+      <p:nvGrpSpPr>
+        <p:cNvPr id="1" name="Shape 173">
+          <a:extLst>
+            <a:ext uri="{FF2B5EF4-FFF2-40B4-BE49-F238E27FC236}">
+              <a16:creationId xmlns:a16="http://schemas.microsoft.com/office/drawing/2014/main" id="{08E82E6E-E147-EB6A-B679-9ADCD9361AEA}"/>
+            </a:ext>
+          </a:extLst>
+        </p:cNvPr>
+        <p:cNvGrpSpPr/>
+        <p:nvPr/>
+      </p:nvGrpSpPr>
+      <p:grpSpPr>
+        <a:xfrm>
+          <a:off x="0" y="0"/>
+          <a:ext cx="0" cy="0"/>
+          <a:chOff x="0" y="0"/>
+          <a:chExt cx="0" cy="0"/>
+        </a:xfrm>
+      </p:grpSpPr>
+      <p:sp>
+        <p:nvSpPr>
+          <p:cNvPr id="174" name="Google Shape;174;p7">
+            <a:extLst>
+              <a:ext uri="{FF2B5EF4-FFF2-40B4-BE49-F238E27FC236}">
+                <a16:creationId xmlns:a16="http://schemas.microsoft.com/office/drawing/2014/main" id="{E0C7797C-0DD1-EC50-061A-95B1C06A4FC9}"/>
+              </a:ext>
+            </a:extLst>
+          </p:cNvPr>
+          <p:cNvSpPr txBox="1">
+            <a:spLocks noGrp="1"/>
+          </p:cNvSpPr>
+          <p:nvPr>
+            <p:ph type="title"/>
+          </p:nvPr>
+        </p:nvSpPr>
+        <p:spPr>
+          <a:xfrm>
+            <a:off x="457200" y="274638"/>
+            <a:ext cx="8229600" cy="1143000"/>
+          </a:xfrm>
+          <a:prstGeom prst="rect">
+            <a:avLst/>
+          </a:prstGeom>
+          <a:noFill/>
+          <a:ln>
+            <a:noFill/>
+          </a:ln>
+        </p:spPr>
+        <p:txBody>
+          <a:bodyPr spcFirstLastPara="1" wrap="square" lIns="91425" tIns="45700" rIns="91425" bIns="45700" anchor="ctr" anchorCtr="0">
+            <a:normAutofit/>
+          </a:bodyPr>
+          <a:lstStyle/>
+          <a:p>
+            <a:pPr marL="0" lvl="0" indent="0" algn="ctr" rtl="0">
+              <a:spcBef>
+                <a:spcPts val="0"/>
+              </a:spcBef>
+              <a:spcAft>
+                <a:spcPts val="0"/>
+              </a:spcAft>
+              <a:buClr>
+                <a:srgbClr val="262626"/>
+              </a:buClr>
+              <a:buSzPts val="1000"/>
+              <a:buFont typeface="Times New Roman"/>
+              <a:buNone/>
+            </a:pPr>
+            <a:r>
+              <a:rPr lang="en-US" sz="1000" b="1">
+                <a:solidFill>
+                  <a:srgbClr val="262626"/>
+                </a:solidFill>
+                <a:latin typeface="Times New Roman"/>
+                <a:ea typeface="Times New Roman"/>
+                <a:cs typeface="Times New Roman"/>
+                <a:sym typeface="Times New Roman"/>
+              </a:rPr>
+              <a:t>.</a:t>
+            </a:r>
+            <a:br>
+              <a:rPr lang="en-US" sz="1000" b="1">
+                <a:latin typeface="Times New Roman"/>
+                <a:ea typeface="Times New Roman"/>
+                <a:cs typeface="Times New Roman"/>
+                <a:sym typeface="Times New Roman"/>
+              </a:rPr>
+            </a:br>
+            <a:endParaRPr sz="1000"/>
+          </a:p>
+        </p:txBody>
+      </p:sp>
+      <p:sp>
+        <p:nvSpPr>
+          <p:cNvPr id="175" name="Google Shape;175;p7">
+            <a:extLst>
+              <a:ext uri="{FF2B5EF4-FFF2-40B4-BE49-F238E27FC236}">
+                <a16:creationId xmlns:a16="http://schemas.microsoft.com/office/drawing/2014/main" id="{66E1EF17-74FF-B724-ADD3-D65F0BC71A3A}"/>
+              </a:ext>
+            </a:extLst>
+          </p:cNvPr>
+          <p:cNvSpPr txBox="1">
+            <a:spLocks noGrp="1"/>
+          </p:cNvSpPr>
+          <p:nvPr>
+            <p:ph type="body" idx="1"/>
+          </p:nvPr>
+        </p:nvSpPr>
+        <p:spPr>
+          <a:xfrm>
+            <a:off x="0" y="1170730"/>
+            <a:ext cx="8686800" cy="4955434"/>
+          </a:xfrm>
+          <a:prstGeom prst="rect">
+            <a:avLst/>
+          </a:prstGeom>
+          <a:noFill/>
+          <a:ln>
+            <a:noFill/>
+          </a:ln>
+        </p:spPr>
+        <p:txBody>
+          <a:bodyPr spcFirstLastPara="1" wrap="square" lIns="91425" tIns="45700" rIns="91425" bIns="45700" anchor="t" anchorCtr="0">
+            <a:normAutofit/>
+          </a:bodyPr>
+          <a:lstStyle/>
+          <a:p>
+            <a:pPr algn="just">
+              <a:buFont typeface="Arial" panose="020B0604020202020204" pitchFamily="34" charset="0"/>
+              <a:buChar char="•"/>
+            </a:pPr>
+            <a:r>
+              <a:rPr lang="en-IN" sz="2000" b="1" dirty="0"/>
+              <a:t>Deep Reinforcement Learning (PPO, SAC):</a:t>
+            </a:r>
+            <a:r>
+              <a:rPr lang="en-IN" sz="2000" dirty="0"/>
+              <a:t> Used for adaptive global path planning in dynamic environments.</a:t>
+            </a:r>
+          </a:p>
+          <a:p>
+            <a:pPr algn="just">
+              <a:buFont typeface="Arial" panose="020B0604020202020204" pitchFamily="34" charset="0"/>
+              <a:buChar char="•"/>
+            </a:pPr>
+            <a:r>
+              <a:rPr lang="en-IN" sz="2000" i="1" dirty="0"/>
+              <a:t>A and RRT* Algorithms:</a:t>
+            </a:r>
+            <a:r>
+              <a:rPr lang="en-IN" sz="2000" dirty="0"/>
+              <a:t>* Classical techniques for initial path estimation and deterministic route generation.</a:t>
+            </a:r>
+          </a:p>
+          <a:p>
+            <a:pPr algn="just">
+              <a:buFont typeface="Arial" panose="020B0604020202020204" pitchFamily="34" charset="0"/>
+              <a:buChar char="•"/>
+            </a:pPr>
+            <a:r>
+              <a:rPr lang="en-IN" sz="2000" b="1" dirty="0"/>
+              <a:t>Model Predictive Control (MPC):</a:t>
+            </a:r>
+            <a:r>
+              <a:rPr lang="en-IN" sz="2000" dirty="0"/>
+              <a:t> Applied for local real-time trajectory correction and obstacle avoidance.</a:t>
+            </a:r>
+          </a:p>
+          <a:p>
+            <a:pPr algn="just">
+              <a:buFont typeface="Arial" panose="020B0604020202020204" pitchFamily="34" charset="0"/>
+              <a:buChar char="•"/>
+            </a:pPr>
+            <a:r>
+              <a:rPr lang="en-IN" sz="2000" b="1" dirty="0"/>
+              <a:t>Full Velocity Difference (FVD) Model:</a:t>
+            </a:r>
+            <a:r>
+              <a:rPr lang="en-IN" sz="2000" dirty="0"/>
+              <a:t> Ensures passenger comfort by minimizing acceleration and deceleration fluctuations.</a:t>
+            </a:r>
+          </a:p>
+          <a:p>
+            <a:pPr algn="just">
+              <a:buFont typeface="Arial" panose="020B0604020202020204" pitchFamily="34" charset="0"/>
+              <a:buChar char="•"/>
+            </a:pPr>
+            <a:r>
+              <a:rPr lang="en-IN" sz="2000" b="1" dirty="0"/>
+              <a:t>Signal Temporal Logic (STL):</a:t>
+            </a:r>
+            <a:r>
+              <a:rPr lang="en-IN" sz="2000" dirty="0"/>
+              <a:t> Used for formal runtime verification of safety rules and </a:t>
+            </a:r>
+            <a:r>
+              <a:rPr lang="en-IN" sz="2000" dirty="0" err="1"/>
+              <a:t>behavioral</a:t>
+            </a:r>
+            <a:r>
+              <a:rPr lang="en-IN" sz="2000" dirty="0"/>
+              <a:t> constraints.</a:t>
+            </a:r>
+          </a:p>
+          <a:p>
+            <a:pPr algn="just">
+              <a:buFont typeface="Arial" panose="020B0604020202020204" pitchFamily="34" charset="0"/>
+              <a:buChar char="•"/>
+            </a:pPr>
+            <a:r>
+              <a:rPr lang="en-IN" sz="2000" b="1" dirty="0"/>
+              <a:t>IR-HARQ-Based V2X Groupcasting:</a:t>
+            </a:r>
+            <a:r>
+              <a:rPr lang="en-IN" sz="2000" dirty="0"/>
+              <a:t> Enhances communication reliability and responsiveness between vehicles using 5G/6G.</a:t>
+            </a:r>
+          </a:p>
+          <a:p>
+            <a:pPr algn="just">
+              <a:buFont typeface="Arial" panose="020B0604020202020204" pitchFamily="34" charset="0"/>
+              <a:buChar char="•"/>
+            </a:pPr>
+            <a:r>
+              <a:rPr lang="en-IN" sz="2000" b="1" dirty="0"/>
+              <a:t>MOISA (Multi-Objective Improved Seagull Algorithm):</a:t>
+            </a:r>
+            <a:r>
+              <a:rPr lang="en-IN" sz="2000" dirty="0"/>
+              <a:t> Optimizes energy-efficient routing and cluster formation in Wireless Sensor Networks (WSNs).</a:t>
+            </a:r>
+          </a:p>
+          <a:p>
+            <a:pPr marL="0" marR="0" lvl="0" indent="0" algn="just" rtl="0">
+              <a:lnSpc>
+                <a:spcPct val="150000"/>
+              </a:lnSpc>
+              <a:spcBef>
+                <a:spcPts val="0"/>
+              </a:spcBef>
+              <a:spcAft>
+                <a:spcPts val="0"/>
+              </a:spcAft>
+              <a:buSzPts val="1800"/>
+              <a:buNone/>
+            </a:pPr>
+            <a:endParaRPr sz="3600" dirty="0">
+              <a:latin typeface="Times New Roman"/>
+              <a:ea typeface="Times New Roman"/>
+              <a:cs typeface="Times New Roman"/>
+              <a:sym typeface="Times New Roman"/>
+            </a:endParaRPr>
+          </a:p>
+        </p:txBody>
+      </p:sp>
+      <p:sp>
+        <p:nvSpPr>
+          <p:cNvPr id="176" name="Google Shape;176;p7">
+            <a:extLst>
+              <a:ext uri="{FF2B5EF4-FFF2-40B4-BE49-F238E27FC236}">
+                <a16:creationId xmlns:a16="http://schemas.microsoft.com/office/drawing/2014/main" id="{850AC3F2-26E2-E3E3-62E7-F49BA49EFD4E}"/>
+              </a:ext>
+            </a:extLst>
+          </p:cNvPr>
+          <p:cNvSpPr txBox="1">
+            <a:spLocks noGrp="1"/>
+          </p:cNvSpPr>
+          <p:nvPr>
+            <p:ph type="ftr" idx="11"/>
+          </p:nvPr>
+        </p:nvSpPr>
+        <p:spPr>
+          <a:xfrm>
+            <a:off x="0" y="6356350"/>
+            <a:ext cx="6019800" cy="365125"/>
+          </a:xfrm>
+          <a:prstGeom prst="rect">
+            <a:avLst/>
+          </a:prstGeom>
+          <a:noFill/>
+          <a:ln>
+            <a:noFill/>
+          </a:ln>
+        </p:spPr>
+        <p:txBody>
+          <a:bodyPr spcFirstLastPara="1" wrap="square" lIns="91425" tIns="45700" rIns="91425" bIns="45700" anchor="ctr" anchorCtr="0">
+            <a:noAutofit/>
+          </a:bodyPr>
+          <a:lstStyle/>
+          <a:p>
+            <a:pPr marL="0" lvl="0" indent="0" algn="l" rtl="0">
+              <a:spcBef>
+                <a:spcPts val="0"/>
+              </a:spcBef>
+              <a:spcAft>
+                <a:spcPts val="0"/>
+              </a:spcAft>
+              <a:buNone/>
+            </a:pPr>
+            <a:r>
+              <a:rPr lang="en-US" sz="1400" dirty="0">
+                <a:solidFill>
+                  <a:schemeClr val="dk1"/>
+                </a:solidFill>
+                <a:latin typeface="Times New Roman"/>
+                <a:ea typeface="Times New Roman"/>
+                <a:cs typeface="Times New Roman"/>
+                <a:sym typeface="Times New Roman"/>
+              </a:rPr>
+              <a:t>Intelligent Simulation Framework for Autonomous Vehicles </a:t>
+            </a:r>
+            <a:endParaRPr sz="1400" dirty="0">
+              <a:solidFill>
+                <a:schemeClr val="dk1"/>
+              </a:solidFill>
+              <a:latin typeface="Times New Roman"/>
+              <a:ea typeface="Times New Roman"/>
+              <a:cs typeface="Times New Roman"/>
+              <a:sym typeface="Times New Roman"/>
+            </a:endParaRPr>
+          </a:p>
+        </p:txBody>
+      </p:sp>
+      <p:sp>
+        <p:nvSpPr>
+          <p:cNvPr id="177" name="Google Shape;177;p7">
+            <a:extLst>
+              <a:ext uri="{FF2B5EF4-FFF2-40B4-BE49-F238E27FC236}">
+                <a16:creationId xmlns:a16="http://schemas.microsoft.com/office/drawing/2014/main" id="{EEF3A80E-BCF5-3A47-4EBB-E8151CCF69AB}"/>
+              </a:ext>
+            </a:extLst>
+          </p:cNvPr>
+          <p:cNvSpPr txBox="1">
+            <a:spLocks noGrp="1"/>
+          </p:cNvSpPr>
+          <p:nvPr>
+            <p:ph type="sldNum" idx="12"/>
+          </p:nvPr>
+        </p:nvSpPr>
+        <p:spPr>
+          <a:xfrm>
+            <a:off x="6553200" y="6356350"/>
+            <a:ext cx="2133600" cy="365125"/>
+          </a:xfrm>
+          <a:prstGeom prst="rect">
+            <a:avLst/>
+          </a:prstGeom>
+          <a:noFill/>
+          <a:ln>
+            <a:noFill/>
+          </a:ln>
+        </p:spPr>
+        <p:txBody>
+          <a:bodyPr spcFirstLastPara="1" wrap="square" lIns="91425" tIns="45700" rIns="91425" bIns="45700" anchor="ctr" anchorCtr="0">
+            <a:noAutofit/>
+          </a:bodyPr>
+          <a:lstStyle/>
+          <a:p>
+            <a:pPr marL="0" lvl="0" indent="0" algn="r" rtl="0">
+              <a:spcBef>
+                <a:spcPts val="0"/>
+              </a:spcBef>
+              <a:spcAft>
+                <a:spcPts val="0"/>
+              </a:spcAft>
+              <a:buNone/>
+            </a:pPr>
+            <a:fld id="{00000000-1234-1234-1234-123412341234}" type="slidenum">
+              <a:rPr lang="en-US">
+                <a:solidFill>
+                  <a:srgbClr val="002060"/>
+                </a:solidFill>
+                <a:latin typeface="Times New Roman"/>
+                <a:ea typeface="Times New Roman"/>
+                <a:cs typeface="Times New Roman"/>
+                <a:sym typeface="Times New Roman"/>
+              </a:rPr>
+              <a:t>8</a:t>
+            </a:fld>
+            <a:endParaRPr>
+              <a:solidFill>
+                <a:srgbClr val="002060"/>
+              </a:solidFill>
+              <a:latin typeface="Times New Roman"/>
+              <a:ea typeface="Times New Roman"/>
+              <a:cs typeface="Times New Roman"/>
+              <a:sym typeface="Times New Roman"/>
+            </a:endParaRPr>
+          </a:p>
+        </p:txBody>
+      </p:sp>
+      <p:pic>
+        <p:nvPicPr>
+          <p:cNvPr id="178" name="Google Shape;178;p7" descr="C:\Users\welco_koih58\OneDrive\Desktop\download.jpg">
+            <a:extLst>
+              <a:ext uri="{FF2B5EF4-FFF2-40B4-BE49-F238E27FC236}">
+                <a16:creationId xmlns:a16="http://schemas.microsoft.com/office/drawing/2014/main" id="{971604D1-F182-A46F-EFEC-6FACF37577B6}"/>
+              </a:ext>
+            </a:extLst>
+          </p:cNvPr>
+          <p:cNvPicPr preferRelativeResize="0"/>
+          <p:nvPr/>
+        </p:nvPicPr>
+        <p:blipFill rotWithShape="1">
+          <a:blip r:embed="rId3">
+            <a:alphaModFix/>
+          </a:blip>
+          <a:srcRect/>
+          <a:stretch/>
+        </p:blipFill>
+        <p:spPr>
+          <a:xfrm>
+            <a:off x="0" y="0"/>
+            <a:ext cx="1285884" cy="1071570"/>
+          </a:xfrm>
+          <a:prstGeom prst="rect">
+            <a:avLst/>
+          </a:prstGeom>
+          <a:noFill/>
+          <a:ln>
+            <a:noFill/>
+          </a:ln>
+        </p:spPr>
+      </p:pic>
+      <p:cxnSp>
+        <p:nvCxnSpPr>
+          <p:cNvPr id="179" name="Google Shape;179;p7">
+            <a:extLst>
+              <a:ext uri="{FF2B5EF4-FFF2-40B4-BE49-F238E27FC236}">
+                <a16:creationId xmlns:a16="http://schemas.microsoft.com/office/drawing/2014/main" id="{B12E36F6-551B-9E22-4457-80832175EBD7}"/>
+              </a:ext>
+            </a:extLst>
+          </p:cNvPr>
+          <p:cNvCxnSpPr/>
+          <p:nvPr/>
+        </p:nvCxnSpPr>
+        <p:spPr>
+          <a:xfrm>
+            <a:off x="0" y="1142984"/>
+            <a:ext cx="9144000" cy="1588"/>
+          </a:xfrm>
+          <a:prstGeom prst="straightConnector1">
+            <a:avLst/>
+          </a:prstGeom>
+          <a:noFill/>
+          <a:ln w="25400" cap="flat" cmpd="sng">
+            <a:solidFill>
+              <a:srgbClr val="E36C09"/>
+            </a:solidFill>
+            <a:prstDash val="solid"/>
+            <a:round/>
+            <a:headEnd type="none" w="sm" len="sm"/>
+            <a:tailEnd type="none" w="sm" len="sm"/>
+          </a:ln>
+          <a:effectLst>
+            <a:outerShdw blurRad="40000" dist="20000" dir="5400000" rotWithShape="0">
+              <a:srgbClr val="000000">
+                <a:alpha val="37647"/>
+              </a:srgbClr>
+            </a:outerShdw>
+          </a:effectLst>
+        </p:spPr>
+      </p:cxnSp>
+      <p:cxnSp>
+        <p:nvCxnSpPr>
+          <p:cNvPr id="180" name="Google Shape;180;p7">
+            <a:extLst>
+              <a:ext uri="{FF2B5EF4-FFF2-40B4-BE49-F238E27FC236}">
+                <a16:creationId xmlns:a16="http://schemas.microsoft.com/office/drawing/2014/main" id="{465F3D41-606E-07D0-F218-0B79C67C51C2}"/>
+              </a:ext>
+            </a:extLst>
+          </p:cNvPr>
+          <p:cNvCxnSpPr/>
+          <p:nvPr/>
+        </p:nvCxnSpPr>
+        <p:spPr>
+          <a:xfrm>
+            <a:off x="0" y="6357958"/>
+            <a:ext cx="9144000" cy="1588"/>
+          </a:xfrm>
+          <a:prstGeom prst="straightConnector1">
+            <a:avLst/>
+          </a:prstGeom>
+          <a:noFill/>
+          <a:ln w="25400" cap="flat" cmpd="sng">
+            <a:solidFill>
+              <a:srgbClr val="E36C09"/>
+            </a:solidFill>
+            <a:prstDash val="solid"/>
+            <a:round/>
+            <a:headEnd type="none" w="sm" len="sm"/>
+            <a:tailEnd type="none" w="sm" len="sm"/>
+          </a:ln>
+          <a:effectLst>
+            <a:outerShdw blurRad="40000" dist="20000" dir="5400000" rotWithShape="0">
+              <a:srgbClr val="000000">
+                <a:alpha val="37647"/>
+              </a:srgbClr>
+            </a:outerShdw>
+          </a:effectLst>
+        </p:spPr>
+      </p:cxnSp>
+      <p:pic>
+        <p:nvPicPr>
+          <p:cNvPr id="181" name="Google Shape;181;p7" descr="Home - Information Science and Engineering">
+            <a:extLst>
+              <a:ext uri="{FF2B5EF4-FFF2-40B4-BE49-F238E27FC236}">
+                <a16:creationId xmlns:a16="http://schemas.microsoft.com/office/drawing/2014/main" id="{6390B2DD-35BA-E8DB-25EB-408725C3D13F}"/>
+              </a:ext>
+            </a:extLst>
+          </p:cNvPr>
+          <p:cNvPicPr preferRelativeResize="0"/>
+          <p:nvPr/>
+        </p:nvPicPr>
+        <p:blipFill rotWithShape="1">
+          <a:blip r:embed="rId4">
+            <a:alphaModFix/>
+          </a:blip>
+          <a:srcRect/>
+          <a:stretch/>
+        </p:blipFill>
+        <p:spPr>
+          <a:xfrm>
+            <a:off x="8072430" y="0"/>
+            <a:ext cx="1071570" cy="1000108"/>
+          </a:xfrm>
+          <a:prstGeom prst="rect">
+            <a:avLst/>
+          </a:prstGeom>
+          <a:noFill/>
+          <a:ln>
+            <a:noFill/>
+          </a:ln>
+        </p:spPr>
+      </p:pic>
+      <p:sp>
+        <p:nvSpPr>
+          <p:cNvPr id="182" name="Google Shape;182;p7">
+            <a:extLst>
+              <a:ext uri="{FF2B5EF4-FFF2-40B4-BE49-F238E27FC236}">
+                <a16:creationId xmlns:a16="http://schemas.microsoft.com/office/drawing/2014/main" id="{7FD8B425-5BF2-CA57-64F1-80B6CED976E2}"/>
+              </a:ext>
+            </a:extLst>
+          </p:cNvPr>
+          <p:cNvSpPr txBox="1"/>
+          <p:nvPr/>
+        </p:nvSpPr>
+        <p:spPr>
+          <a:xfrm>
+            <a:off x="1285884" y="361924"/>
+            <a:ext cx="6786546" cy="584735"/>
+          </a:xfrm>
+          <a:prstGeom prst="rect">
+            <a:avLst/>
+          </a:prstGeom>
+          <a:noFill/>
+          <a:ln>
+            <a:noFill/>
+          </a:ln>
+        </p:spPr>
+        <p:txBody>
+          <a:bodyPr spcFirstLastPara="1" wrap="square" lIns="91425" tIns="45700" rIns="91425" bIns="45700" anchor="t" anchorCtr="0">
+            <a:spAutoFit/>
+          </a:bodyPr>
+          <a:lstStyle/>
+          <a:p>
+            <a:pPr marL="0" marR="0" lvl="0" indent="0" algn="ctr" rtl="0">
+              <a:spcBef>
+                <a:spcPts val="0"/>
+              </a:spcBef>
+              <a:spcAft>
+                <a:spcPts val="0"/>
+              </a:spcAft>
+              <a:buNone/>
+            </a:pPr>
+            <a:r>
+              <a:rPr lang="en-US" sz="3200" dirty="0">
+                <a:solidFill>
+                  <a:srgbClr val="31859B"/>
+                </a:solidFill>
+                <a:latin typeface="Times New Roman"/>
+                <a:ea typeface="Times New Roman"/>
+                <a:cs typeface="Times New Roman"/>
+                <a:sym typeface="Times New Roman"/>
+              </a:rPr>
+              <a:t>Design/Algorithm/Techniques Used</a:t>
+            </a:r>
+            <a:endParaRPr lang="en-US" dirty="0">
+              <a:solidFill>
+                <a:srgbClr val="31859B"/>
+              </a:solidFill>
+              <a:latin typeface="Times New Roman"/>
+              <a:ea typeface="Times New Roman"/>
+              <a:cs typeface="Times New Roman"/>
+              <a:sym typeface="Times New Roman"/>
+            </a:endParaRPr>
+          </a:p>
+        </p:txBody>
+      </p:sp>
+    </p:spTree>
+    <p:extLst>
+      <p:ext uri="{BB962C8B-B14F-4D97-AF65-F5344CB8AC3E}">
+        <p14:creationId xmlns:p14="http://schemas.microsoft.com/office/powerpoint/2010/main" val="3281919819"/>
+      </p:ext>
+    </p:extLst>
+  </p:cSld>
+  <p:clrMapOvr>
+    <a:masterClrMapping/>
+  </p:clrMapOvr>
+</p:sld>
+</file>
+
 <file path=ppt/theme/theme1.xml><?xml version="1.0" encoding="utf-8"?>
 <a:theme xmlns:a="http://schemas.openxmlformats.org/drawingml/2006/main" name="Office Theme">
   <a:themeElements>

--- a/V2X Commu. Docx/PPT's/Presentaion1.pptx
+++ b/V2X Commu. Docx/PPT's/Presentaion1.pptx
@@ -5,7 +5,7 @@
     <p:sldMasterId id="2147483648" r:id="rId1"/>
   </p:sldMasterIdLst>
   <p:notesMasterIdLst>
-    <p:notesMasterId r:id="rId10"/>
+    <p:notesMasterId r:id="rId11"/>
   </p:notesMasterIdLst>
   <p:sldIdLst>
     <p:sldId id="256" r:id="rId2"/>
@@ -16,6 +16,7 @@
     <p:sldId id="261" r:id="rId7"/>
     <p:sldId id="262" r:id="rId8"/>
     <p:sldId id="263" r:id="rId9"/>
+    <p:sldId id="264" r:id="rId10"/>
   </p:sldIdLst>
   <p:sldSz cx="9144000" cy="6858000" type="screen4x3"/>
   <p:notesSz cx="6858000" cy="9144000"/>
@@ -2795,6 +2796,199 @@
     <p:extLst>
       <p:ext uri="{BB962C8B-B14F-4D97-AF65-F5344CB8AC3E}">
         <p14:creationId xmlns:p14="http://schemas.microsoft.com/office/powerpoint/2010/main" val="2424804344"/>
+      </p:ext>
+    </p:extLst>
+  </p:cSld>
+  <p:clrMapOvr>
+    <a:masterClrMapping/>
+  </p:clrMapOvr>
+</p:notes>
+</file>
+
+<file path=ppt/notesSlides/notesSlide9.xml><?xml version="1.0" encoding="utf-8"?>
+<p:notes xmlns:a="http://schemas.openxmlformats.org/drawingml/2006/main" xmlns:r="http://schemas.openxmlformats.org/officeDocument/2006/relationships" xmlns:p="http://schemas.openxmlformats.org/presentationml/2006/main" showMasterSp="0" showMasterPhAnim="0">
+  <p:cSld>
+    <p:spTree>
+      <p:nvGrpSpPr>
+        <p:cNvPr id="1" name="Shape 169">
+          <a:extLst>
+            <a:ext uri="{FF2B5EF4-FFF2-40B4-BE49-F238E27FC236}">
+              <a16:creationId xmlns:a16="http://schemas.microsoft.com/office/drawing/2014/main" id="{9C4B561C-E97A-E79E-2C9E-3D9BD5A0F418}"/>
+            </a:ext>
+          </a:extLst>
+        </p:cNvPr>
+        <p:cNvGrpSpPr/>
+        <p:nvPr/>
+      </p:nvGrpSpPr>
+      <p:grpSpPr>
+        <a:xfrm>
+          <a:off x="0" y="0"/>
+          <a:ext cx="0" cy="0"/>
+          <a:chOff x="0" y="0"/>
+          <a:chExt cx="0" cy="0"/>
+        </a:xfrm>
+      </p:grpSpPr>
+      <p:sp>
+        <p:nvSpPr>
+          <p:cNvPr id="170" name="Google Shape;170;p7:notes">
+            <a:extLst>
+              <a:ext uri="{FF2B5EF4-FFF2-40B4-BE49-F238E27FC236}">
+                <a16:creationId xmlns:a16="http://schemas.microsoft.com/office/drawing/2014/main" id="{0078049E-51D3-D303-FBB4-6CE80DF88FA1}"/>
+              </a:ext>
+            </a:extLst>
+          </p:cNvPr>
+          <p:cNvSpPr>
+            <a:spLocks noGrp="1" noRot="1" noChangeAspect="1"/>
+          </p:cNvSpPr>
+          <p:nvPr>
+            <p:ph type="sldImg" idx="2"/>
+          </p:nvPr>
+        </p:nvSpPr>
+        <p:spPr>
+          <a:xfrm>
+            <a:off x="1143000" y="685800"/>
+            <a:ext cx="4572000" cy="3429000"/>
+          </a:xfrm>
+          <a:custGeom>
+            <a:avLst/>
+            <a:gdLst/>
+            <a:ahLst/>
+            <a:cxnLst/>
+            <a:rect l="l" t="t" r="r" b="b"/>
+            <a:pathLst>
+              <a:path w="120000" h="120000" extrusionOk="0">
+                <a:moveTo>
+                  <a:pt x="0" y="0"/>
+                </a:moveTo>
+                <a:lnTo>
+                  <a:pt x="120000" y="0"/>
+                </a:lnTo>
+                <a:lnTo>
+                  <a:pt x="120000" y="120000"/>
+                </a:lnTo>
+                <a:lnTo>
+                  <a:pt x="0" y="120000"/>
+                </a:lnTo>
+                <a:close/>
+              </a:path>
+            </a:pathLst>
+          </a:custGeom>
+          <a:noFill/>
+          <a:ln w="12700" cap="flat" cmpd="sng">
+            <a:solidFill>
+              <a:srgbClr val="000000"/>
+            </a:solidFill>
+            <a:prstDash val="solid"/>
+            <a:round/>
+            <a:headEnd type="none" w="sm" len="sm"/>
+            <a:tailEnd type="none" w="sm" len="sm"/>
+          </a:ln>
+        </p:spPr>
+      </p:sp>
+      <p:sp>
+        <p:nvSpPr>
+          <p:cNvPr id="171" name="Google Shape;171;p7:notes">
+            <a:extLst>
+              <a:ext uri="{FF2B5EF4-FFF2-40B4-BE49-F238E27FC236}">
+                <a16:creationId xmlns:a16="http://schemas.microsoft.com/office/drawing/2014/main" id="{317DA2CC-B1E8-2809-FC28-E239A6849E45}"/>
+              </a:ext>
+            </a:extLst>
+          </p:cNvPr>
+          <p:cNvSpPr txBox="1">
+            <a:spLocks noGrp="1"/>
+          </p:cNvSpPr>
+          <p:nvPr>
+            <p:ph type="body" idx="1"/>
+          </p:nvPr>
+        </p:nvSpPr>
+        <p:spPr>
+          <a:xfrm>
+            <a:off x="685800" y="4343400"/>
+            <a:ext cx="5486400" cy="4114800"/>
+          </a:xfrm>
+          <a:prstGeom prst="rect">
+            <a:avLst/>
+          </a:prstGeom>
+          <a:noFill/>
+          <a:ln>
+            <a:noFill/>
+          </a:ln>
+        </p:spPr>
+        <p:txBody>
+          <a:bodyPr spcFirstLastPara="1" wrap="square" lIns="91425" tIns="45700" rIns="91425" bIns="45700" anchor="t" anchorCtr="0">
+            <a:normAutofit/>
+          </a:bodyPr>
+          <a:lstStyle/>
+          <a:p>
+            <a:pPr marL="0" lvl="0" indent="0" algn="l" rtl="0">
+              <a:spcBef>
+                <a:spcPts val="0"/>
+              </a:spcBef>
+              <a:spcAft>
+                <a:spcPts val="0"/>
+              </a:spcAft>
+              <a:buNone/>
+            </a:pPr>
+            <a:endParaRPr/>
+          </a:p>
+        </p:txBody>
+      </p:sp>
+      <p:sp>
+        <p:nvSpPr>
+          <p:cNvPr id="172" name="Google Shape;172;p7:notes">
+            <a:extLst>
+              <a:ext uri="{FF2B5EF4-FFF2-40B4-BE49-F238E27FC236}">
+                <a16:creationId xmlns:a16="http://schemas.microsoft.com/office/drawing/2014/main" id="{87A54A0E-649B-FBFC-6649-752B379EE458}"/>
+              </a:ext>
+            </a:extLst>
+          </p:cNvPr>
+          <p:cNvSpPr txBox="1">
+            <a:spLocks noGrp="1"/>
+          </p:cNvSpPr>
+          <p:nvPr>
+            <p:ph type="sldNum" idx="12"/>
+          </p:nvPr>
+        </p:nvSpPr>
+        <p:spPr>
+          <a:xfrm>
+            <a:off x="3884613" y="8685213"/>
+            <a:ext cx="2971800" cy="457200"/>
+          </a:xfrm>
+          <a:prstGeom prst="rect">
+            <a:avLst/>
+          </a:prstGeom>
+          <a:noFill/>
+          <a:ln>
+            <a:noFill/>
+          </a:ln>
+        </p:spPr>
+        <p:txBody>
+          <a:bodyPr spcFirstLastPara="1" wrap="square" lIns="91425" tIns="45700" rIns="91425" bIns="45700" anchor="b" anchorCtr="0">
+            <a:noAutofit/>
+          </a:bodyPr>
+          <a:lstStyle/>
+          <a:p>
+            <a:pPr marL="0" lvl="0" indent="0" algn="r" rtl="0">
+              <a:spcBef>
+                <a:spcPts val="0"/>
+              </a:spcBef>
+              <a:spcAft>
+                <a:spcPts val="0"/>
+              </a:spcAft>
+              <a:buNone/>
+            </a:pPr>
+            <a:fld id="{00000000-1234-1234-1234-123412341234}" type="slidenum">
+              <a:rPr lang="en-US"/>
+              <a:t>9</a:t>
+            </a:fld>
+            <a:endParaRPr/>
+          </a:p>
+        </p:txBody>
+      </p:sp>
+    </p:spTree>
+    <p:extLst>
+      <p:ext uri="{BB962C8B-B14F-4D97-AF65-F5344CB8AC3E}">
+        <p14:creationId xmlns:p14="http://schemas.microsoft.com/office/powerpoint/2010/main" val="1590276024"/>
       </p:ext>
     </p:extLst>
   </p:cSld>
@@ -18153,6 +18347,546 @@
 </p:sld>
 </file>
 
+<file path=ppt/slides/slide9.xml><?xml version="1.0" encoding="utf-8"?>
+<p:sld xmlns:a="http://schemas.openxmlformats.org/drawingml/2006/main" xmlns:r="http://schemas.openxmlformats.org/officeDocument/2006/relationships" xmlns:p="http://schemas.openxmlformats.org/presentationml/2006/main">
+  <p:cSld>
+    <p:spTree>
+      <p:nvGrpSpPr>
+        <p:cNvPr id="1" name="Shape 173">
+          <a:extLst>
+            <a:ext uri="{FF2B5EF4-FFF2-40B4-BE49-F238E27FC236}">
+              <a16:creationId xmlns:a16="http://schemas.microsoft.com/office/drawing/2014/main" id="{B116838E-4F2F-226D-1751-41060BD858B8}"/>
+            </a:ext>
+          </a:extLst>
+        </p:cNvPr>
+        <p:cNvGrpSpPr/>
+        <p:nvPr/>
+      </p:nvGrpSpPr>
+      <p:grpSpPr>
+        <a:xfrm>
+          <a:off x="0" y="0"/>
+          <a:ext cx="0" cy="0"/>
+          <a:chOff x="0" y="0"/>
+          <a:chExt cx="0" cy="0"/>
+        </a:xfrm>
+      </p:grpSpPr>
+      <p:sp>
+        <p:nvSpPr>
+          <p:cNvPr id="174" name="Google Shape;174;p7">
+            <a:extLst>
+              <a:ext uri="{FF2B5EF4-FFF2-40B4-BE49-F238E27FC236}">
+                <a16:creationId xmlns:a16="http://schemas.microsoft.com/office/drawing/2014/main" id="{8A3182F1-4646-90FA-50BD-3D39CE0157D8}"/>
+              </a:ext>
+            </a:extLst>
+          </p:cNvPr>
+          <p:cNvSpPr txBox="1">
+            <a:spLocks noGrp="1"/>
+          </p:cNvSpPr>
+          <p:nvPr>
+            <p:ph type="title"/>
+          </p:nvPr>
+        </p:nvSpPr>
+        <p:spPr>
+          <a:xfrm>
+            <a:off x="457200" y="274638"/>
+            <a:ext cx="8229600" cy="1143000"/>
+          </a:xfrm>
+          <a:prstGeom prst="rect">
+            <a:avLst/>
+          </a:prstGeom>
+          <a:noFill/>
+          <a:ln>
+            <a:noFill/>
+          </a:ln>
+        </p:spPr>
+        <p:txBody>
+          <a:bodyPr spcFirstLastPara="1" wrap="square" lIns="91425" tIns="45700" rIns="91425" bIns="45700" anchor="ctr" anchorCtr="0">
+            <a:normAutofit/>
+          </a:bodyPr>
+          <a:lstStyle/>
+          <a:p>
+            <a:pPr marL="0" lvl="0" indent="0" algn="ctr" rtl="0">
+              <a:spcBef>
+                <a:spcPts val="0"/>
+              </a:spcBef>
+              <a:spcAft>
+                <a:spcPts val="0"/>
+              </a:spcAft>
+              <a:buClr>
+                <a:srgbClr val="262626"/>
+              </a:buClr>
+              <a:buSzPts val="1000"/>
+              <a:buFont typeface="Times New Roman"/>
+              <a:buNone/>
+            </a:pPr>
+            <a:r>
+              <a:rPr lang="en-US" sz="1000" b="1">
+                <a:solidFill>
+                  <a:srgbClr val="262626"/>
+                </a:solidFill>
+                <a:latin typeface="Times New Roman"/>
+                <a:ea typeface="Times New Roman"/>
+                <a:cs typeface="Times New Roman"/>
+                <a:sym typeface="Times New Roman"/>
+              </a:rPr>
+              <a:t>.</a:t>
+            </a:r>
+            <a:br>
+              <a:rPr lang="en-US" sz="1000" b="1">
+                <a:latin typeface="Times New Roman"/>
+                <a:ea typeface="Times New Roman"/>
+                <a:cs typeface="Times New Roman"/>
+                <a:sym typeface="Times New Roman"/>
+              </a:rPr>
+            </a:br>
+            <a:endParaRPr sz="1000"/>
+          </a:p>
+        </p:txBody>
+      </p:sp>
+      <p:sp>
+        <p:nvSpPr>
+          <p:cNvPr id="175" name="Google Shape;175;p7">
+            <a:extLst>
+              <a:ext uri="{FF2B5EF4-FFF2-40B4-BE49-F238E27FC236}">
+                <a16:creationId xmlns:a16="http://schemas.microsoft.com/office/drawing/2014/main" id="{29321F06-4D8B-2250-772B-F26C2BE85213}"/>
+              </a:ext>
+            </a:extLst>
+          </p:cNvPr>
+          <p:cNvSpPr txBox="1">
+            <a:spLocks noGrp="1"/>
+          </p:cNvSpPr>
+          <p:nvPr>
+            <p:ph type="body" idx="1"/>
+          </p:nvPr>
+        </p:nvSpPr>
+        <p:spPr>
+          <a:xfrm>
+            <a:off x="0" y="1170730"/>
+            <a:ext cx="8686800" cy="4955434"/>
+          </a:xfrm>
+          <a:prstGeom prst="rect">
+            <a:avLst/>
+          </a:prstGeom>
+          <a:noFill/>
+          <a:ln>
+            <a:noFill/>
+          </a:ln>
+        </p:spPr>
+        <p:txBody>
+          <a:bodyPr spcFirstLastPara="1" wrap="square" lIns="91425" tIns="45700" rIns="91425" bIns="45700" anchor="t" anchorCtr="0">
+            <a:normAutofit/>
+          </a:bodyPr>
+          <a:lstStyle/>
+          <a:p>
+            <a:pPr marL="0" marR="0" lvl="0" indent="0" algn="just" rtl="0">
+              <a:lnSpc>
+                <a:spcPct val="150000"/>
+              </a:lnSpc>
+              <a:spcBef>
+                <a:spcPts val="0"/>
+              </a:spcBef>
+              <a:spcAft>
+                <a:spcPts val="0"/>
+              </a:spcAft>
+              <a:buSzPts val="1800"/>
+              <a:buNone/>
+            </a:pPr>
+            <a:endParaRPr sz="3600" dirty="0">
+              <a:latin typeface="Times New Roman"/>
+              <a:ea typeface="Times New Roman"/>
+              <a:cs typeface="Times New Roman"/>
+              <a:sym typeface="Times New Roman"/>
+            </a:endParaRPr>
+          </a:p>
+        </p:txBody>
+      </p:sp>
+      <p:sp>
+        <p:nvSpPr>
+          <p:cNvPr id="176" name="Google Shape;176;p7">
+            <a:extLst>
+              <a:ext uri="{FF2B5EF4-FFF2-40B4-BE49-F238E27FC236}">
+                <a16:creationId xmlns:a16="http://schemas.microsoft.com/office/drawing/2014/main" id="{91739183-9C7E-755C-EAE4-A410BFE14922}"/>
+              </a:ext>
+            </a:extLst>
+          </p:cNvPr>
+          <p:cNvSpPr txBox="1">
+            <a:spLocks noGrp="1"/>
+          </p:cNvSpPr>
+          <p:nvPr>
+            <p:ph type="ftr" idx="11"/>
+          </p:nvPr>
+        </p:nvSpPr>
+        <p:spPr>
+          <a:xfrm>
+            <a:off x="0" y="6356350"/>
+            <a:ext cx="6019800" cy="365125"/>
+          </a:xfrm>
+          <a:prstGeom prst="rect">
+            <a:avLst/>
+          </a:prstGeom>
+          <a:noFill/>
+          <a:ln>
+            <a:noFill/>
+          </a:ln>
+        </p:spPr>
+        <p:txBody>
+          <a:bodyPr spcFirstLastPara="1" wrap="square" lIns="91425" tIns="45700" rIns="91425" bIns="45700" anchor="ctr" anchorCtr="0">
+            <a:noAutofit/>
+          </a:bodyPr>
+          <a:lstStyle/>
+          <a:p>
+            <a:pPr marL="0" lvl="0" indent="0" algn="l" rtl="0">
+              <a:spcBef>
+                <a:spcPts val="0"/>
+              </a:spcBef>
+              <a:spcAft>
+                <a:spcPts val="0"/>
+              </a:spcAft>
+              <a:buNone/>
+            </a:pPr>
+            <a:r>
+              <a:rPr lang="en-US" sz="1400" dirty="0">
+                <a:solidFill>
+                  <a:schemeClr val="dk1"/>
+                </a:solidFill>
+                <a:latin typeface="Times New Roman"/>
+                <a:ea typeface="Times New Roman"/>
+                <a:cs typeface="Times New Roman"/>
+                <a:sym typeface="Times New Roman"/>
+              </a:rPr>
+              <a:t>Intelligent Simulation Framework for Autonomous Vehicles </a:t>
+            </a:r>
+            <a:endParaRPr sz="1400" dirty="0">
+              <a:solidFill>
+                <a:schemeClr val="dk1"/>
+              </a:solidFill>
+              <a:latin typeface="Times New Roman"/>
+              <a:ea typeface="Times New Roman"/>
+              <a:cs typeface="Times New Roman"/>
+              <a:sym typeface="Times New Roman"/>
+            </a:endParaRPr>
+          </a:p>
+        </p:txBody>
+      </p:sp>
+      <p:sp>
+        <p:nvSpPr>
+          <p:cNvPr id="177" name="Google Shape;177;p7">
+            <a:extLst>
+              <a:ext uri="{FF2B5EF4-FFF2-40B4-BE49-F238E27FC236}">
+                <a16:creationId xmlns:a16="http://schemas.microsoft.com/office/drawing/2014/main" id="{579AA16D-2D36-101F-44E1-7D364F507822}"/>
+              </a:ext>
+            </a:extLst>
+          </p:cNvPr>
+          <p:cNvSpPr txBox="1">
+            <a:spLocks noGrp="1"/>
+          </p:cNvSpPr>
+          <p:nvPr>
+            <p:ph type="sldNum" idx="12"/>
+          </p:nvPr>
+        </p:nvSpPr>
+        <p:spPr>
+          <a:xfrm>
+            <a:off x="6553200" y="6356350"/>
+            <a:ext cx="2133600" cy="365125"/>
+          </a:xfrm>
+          <a:prstGeom prst="rect">
+            <a:avLst/>
+          </a:prstGeom>
+          <a:noFill/>
+          <a:ln>
+            <a:noFill/>
+          </a:ln>
+        </p:spPr>
+        <p:txBody>
+          <a:bodyPr spcFirstLastPara="1" wrap="square" lIns="91425" tIns="45700" rIns="91425" bIns="45700" anchor="ctr" anchorCtr="0">
+            <a:noAutofit/>
+          </a:bodyPr>
+          <a:lstStyle/>
+          <a:p>
+            <a:pPr marL="0" lvl="0" indent="0" algn="r" rtl="0">
+              <a:spcBef>
+                <a:spcPts val="0"/>
+              </a:spcBef>
+              <a:spcAft>
+                <a:spcPts val="0"/>
+              </a:spcAft>
+              <a:buNone/>
+            </a:pPr>
+            <a:fld id="{00000000-1234-1234-1234-123412341234}" type="slidenum">
+              <a:rPr lang="en-US">
+                <a:solidFill>
+                  <a:srgbClr val="002060"/>
+                </a:solidFill>
+                <a:latin typeface="Times New Roman"/>
+                <a:ea typeface="Times New Roman"/>
+                <a:cs typeface="Times New Roman"/>
+                <a:sym typeface="Times New Roman"/>
+              </a:rPr>
+              <a:t>9</a:t>
+            </a:fld>
+            <a:endParaRPr>
+              <a:solidFill>
+                <a:srgbClr val="002060"/>
+              </a:solidFill>
+              <a:latin typeface="Times New Roman"/>
+              <a:ea typeface="Times New Roman"/>
+              <a:cs typeface="Times New Roman"/>
+              <a:sym typeface="Times New Roman"/>
+            </a:endParaRPr>
+          </a:p>
+        </p:txBody>
+      </p:sp>
+      <p:pic>
+        <p:nvPicPr>
+          <p:cNvPr id="178" name="Google Shape;178;p7" descr="C:\Users\welco_koih58\OneDrive\Desktop\download.jpg">
+            <a:extLst>
+              <a:ext uri="{FF2B5EF4-FFF2-40B4-BE49-F238E27FC236}">
+                <a16:creationId xmlns:a16="http://schemas.microsoft.com/office/drawing/2014/main" id="{03EA1A40-4864-6AB2-0961-B2508C6ADDCE}"/>
+              </a:ext>
+            </a:extLst>
+          </p:cNvPr>
+          <p:cNvPicPr preferRelativeResize="0"/>
+          <p:nvPr/>
+        </p:nvPicPr>
+        <p:blipFill rotWithShape="1">
+          <a:blip r:embed="rId3">
+            <a:alphaModFix/>
+          </a:blip>
+          <a:srcRect/>
+          <a:stretch/>
+        </p:blipFill>
+        <p:spPr>
+          <a:xfrm>
+            <a:off x="0" y="0"/>
+            <a:ext cx="1285884" cy="1071570"/>
+          </a:xfrm>
+          <a:prstGeom prst="rect">
+            <a:avLst/>
+          </a:prstGeom>
+          <a:noFill/>
+          <a:ln>
+            <a:noFill/>
+          </a:ln>
+        </p:spPr>
+      </p:pic>
+      <p:cxnSp>
+        <p:nvCxnSpPr>
+          <p:cNvPr id="179" name="Google Shape;179;p7">
+            <a:extLst>
+              <a:ext uri="{FF2B5EF4-FFF2-40B4-BE49-F238E27FC236}">
+                <a16:creationId xmlns:a16="http://schemas.microsoft.com/office/drawing/2014/main" id="{B33C1399-40B5-E1B5-C960-590D759CC530}"/>
+              </a:ext>
+            </a:extLst>
+          </p:cNvPr>
+          <p:cNvCxnSpPr/>
+          <p:nvPr/>
+        </p:nvCxnSpPr>
+        <p:spPr>
+          <a:xfrm>
+            <a:off x="0" y="1142984"/>
+            <a:ext cx="9144000" cy="1588"/>
+          </a:xfrm>
+          <a:prstGeom prst="straightConnector1">
+            <a:avLst/>
+          </a:prstGeom>
+          <a:noFill/>
+          <a:ln w="25400" cap="flat" cmpd="sng">
+            <a:solidFill>
+              <a:srgbClr val="E36C09"/>
+            </a:solidFill>
+            <a:prstDash val="solid"/>
+            <a:round/>
+            <a:headEnd type="none" w="sm" len="sm"/>
+            <a:tailEnd type="none" w="sm" len="sm"/>
+          </a:ln>
+          <a:effectLst>
+            <a:outerShdw blurRad="40000" dist="20000" dir="5400000" rotWithShape="0">
+              <a:srgbClr val="000000">
+                <a:alpha val="37647"/>
+              </a:srgbClr>
+            </a:outerShdw>
+          </a:effectLst>
+        </p:spPr>
+      </p:cxnSp>
+      <p:cxnSp>
+        <p:nvCxnSpPr>
+          <p:cNvPr id="180" name="Google Shape;180;p7">
+            <a:extLst>
+              <a:ext uri="{FF2B5EF4-FFF2-40B4-BE49-F238E27FC236}">
+                <a16:creationId xmlns:a16="http://schemas.microsoft.com/office/drawing/2014/main" id="{576E48C9-D3FC-28D2-F0BA-97CB7D6B6EA9}"/>
+              </a:ext>
+            </a:extLst>
+          </p:cNvPr>
+          <p:cNvCxnSpPr/>
+          <p:nvPr/>
+        </p:nvCxnSpPr>
+        <p:spPr>
+          <a:xfrm>
+            <a:off x="0" y="6357958"/>
+            <a:ext cx="9144000" cy="1588"/>
+          </a:xfrm>
+          <a:prstGeom prst="straightConnector1">
+            <a:avLst/>
+          </a:prstGeom>
+          <a:noFill/>
+          <a:ln w="25400" cap="flat" cmpd="sng">
+            <a:solidFill>
+              <a:srgbClr val="E36C09"/>
+            </a:solidFill>
+            <a:prstDash val="solid"/>
+            <a:round/>
+            <a:headEnd type="none" w="sm" len="sm"/>
+            <a:tailEnd type="none" w="sm" len="sm"/>
+          </a:ln>
+          <a:effectLst>
+            <a:outerShdw blurRad="40000" dist="20000" dir="5400000" rotWithShape="0">
+              <a:srgbClr val="000000">
+                <a:alpha val="37647"/>
+              </a:srgbClr>
+            </a:outerShdw>
+          </a:effectLst>
+        </p:spPr>
+      </p:cxnSp>
+      <p:pic>
+        <p:nvPicPr>
+          <p:cNvPr id="181" name="Google Shape;181;p7" descr="Home - Information Science and Engineering">
+            <a:extLst>
+              <a:ext uri="{FF2B5EF4-FFF2-40B4-BE49-F238E27FC236}">
+                <a16:creationId xmlns:a16="http://schemas.microsoft.com/office/drawing/2014/main" id="{DE5B60D4-552C-3D47-970C-01ED4BB290F3}"/>
+              </a:ext>
+            </a:extLst>
+          </p:cNvPr>
+          <p:cNvPicPr preferRelativeResize="0"/>
+          <p:nvPr/>
+        </p:nvPicPr>
+        <p:blipFill rotWithShape="1">
+          <a:blip r:embed="rId4">
+            <a:alphaModFix/>
+          </a:blip>
+          <a:srcRect/>
+          <a:stretch/>
+        </p:blipFill>
+        <p:spPr>
+          <a:xfrm>
+            <a:off x="8072430" y="0"/>
+            <a:ext cx="1071570" cy="1000108"/>
+          </a:xfrm>
+          <a:prstGeom prst="rect">
+            <a:avLst/>
+          </a:prstGeom>
+          <a:noFill/>
+          <a:ln>
+            <a:noFill/>
+          </a:ln>
+        </p:spPr>
+      </p:pic>
+      <p:sp>
+        <p:nvSpPr>
+          <p:cNvPr id="182" name="Google Shape;182;p7">
+            <a:extLst>
+              <a:ext uri="{FF2B5EF4-FFF2-40B4-BE49-F238E27FC236}">
+                <a16:creationId xmlns:a16="http://schemas.microsoft.com/office/drawing/2014/main" id="{8B1E7C18-03CE-8623-D2B0-00965D1FCFE8}"/>
+              </a:ext>
+            </a:extLst>
+          </p:cNvPr>
+          <p:cNvSpPr txBox="1"/>
+          <p:nvPr/>
+        </p:nvSpPr>
+        <p:spPr>
+          <a:xfrm>
+            <a:off x="1285884" y="361924"/>
+            <a:ext cx="6786546" cy="584735"/>
+          </a:xfrm>
+          <a:prstGeom prst="rect">
+            <a:avLst/>
+          </a:prstGeom>
+          <a:noFill/>
+          <a:ln>
+            <a:noFill/>
+          </a:ln>
+        </p:spPr>
+        <p:txBody>
+          <a:bodyPr spcFirstLastPara="1" wrap="square" lIns="91425" tIns="45700" rIns="91425" bIns="45700" anchor="t" anchorCtr="0">
+            <a:spAutoFit/>
+          </a:bodyPr>
+          <a:lstStyle/>
+          <a:p>
+            <a:pPr marL="0" marR="0" lvl="0" indent="0" algn="ctr" rtl="0">
+              <a:spcBef>
+                <a:spcPts val="0"/>
+              </a:spcBef>
+              <a:spcAft>
+                <a:spcPts val="0"/>
+              </a:spcAft>
+              <a:buNone/>
+            </a:pPr>
+            <a:r>
+              <a:rPr lang="en-US" sz="3200" dirty="0">
+                <a:solidFill>
+                  <a:srgbClr val="31859B"/>
+                </a:solidFill>
+                <a:latin typeface="Times New Roman"/>
+                <a:ea typeface="Times New Roman"/>
+                <a:cs typeface="Times New Roman"/>
+                <a:sym typeface="Times New Roman"/>
+              </a:rPr>
+              <a:t>Flow Chart</a:t>
+            </a:r>
+            <a:endParaRPr lang="en-US" dirty="0">
+              <a:solidFill>
+                <a:srgbClr val="31859B"/>
+              </a:solidFill>
+              <a:latin typeface="Times New Roman"/>
+              <a:ea typeface="Times New Roman"/>
+              <a:cs typeface="Times New Roman"/>
+              <a:sym typeface="Times New Roman"/>
+            </a:endParaRPr>
+          </a:p>
+        </p:txBody>
+      </p:sp>
+      <p:pic>
+        <p:nvPicPr>
+          <p:cNvPr id="3" name="Picture 2">
+            <a:extLst>
+              <a:ext uri="{FF2B5EF4-FFF2-40B4-BE49-F238E27FC236}">
+                <a16:creationId xmlns:a16="http://schemas.microsoft.com/office/drawing/2014/main" id="{70D436A5-B60E-EB56-0588-D84E0B851B21}"/>
+              </a:ext>
+            </a:extLst>
+          </p:cNvPr>
+          <p:cNvPicPr>
+            <a:picLocks noChangeAspect="1"/>
+          </p:cNvPicPr>
+          <p:nvPr/>
+        </p:nvPicPr>
+        <p:blipFill>
+          <a:blip r:embed="rId5"/>
+          <a:stretch>
+            <a:fillRect/>
+          </a:stretch>
+        </p:blipFill>
+        <p:spPr>
+          <a:xfrm>
+            <a:off x="2286000" y="1228724"/>
+            <a:ext cx="3190875" cy="4786313"/>
+          </a:xfrm>
+          <a:prstGeom prst="rect">
+            <a:avLst/>
+          </a:prstGeom>
+        </p:spPr>
+      </p:pic>
+    </p:spTree>
+    <p:extLst>
+      <p:ext uri="{BB962C8B-B14F-4D97-AF65-F5344CB8AC3E}">
+        <p14:creationId xmlns:p14="http://schemas.microsoft.com/office/powerpoint/2010/main" val="1358991486"/>
+      </p:ext>
+    </p:extLst>
+  </p:cSld>
+  <p:clrMapOvr>
+    <a:masterClrMapping/>
+  </p:clrMapOvr>
+</p:sld>
+</file>
+
 <file path=ppt/theme/theme1.xml><?xml version="1.0" encoding="utf-8"?>
 <a:theme xmlns:a="http://schemas.openxmlformats.org/drawingml/2006/main" name="Office Theme">
   <a:themeElements>

--- a/V2X Commu. Docx/PPT's/Presentaion1.pptx
+++ b/V2X Commu. Docx/PPT's/Presentaion1.pptx
@@ -5,7 +5,7 @@
     <p:sldMasterId id="2147483648" r:id="rId1"/>
   </p:sldMasterIdLst>
   <p:notesMasterIdLst>
-    <p:notesMasterId r:id="rId11"/>
+    <p:notesMasterId r:id="rId12"/>
   </p:notesMasterIdLst>
   <p:sldIdLst>
     <p:sldId id="256" r:id="rId2"/>
@@ -17,6 +17,7 @@
     <p:sldId id="262" r:id="rId8"/>
     <p:sldId id="263" r:id="rId9"/>
     <p:sldId id="264" r:id="rId10"/>
+    <p:sldId id="265" r:id="rId11"/>
   </p:sldIdLst>
   <p:sldSz cx="9144000" cy="6858000" type="screen4x3"/>
   <p:notesSz cx="6858000" cy="9144000"/>
@@ -265,7 +266,7 @@
       </p15:sldGuideLst>
     </p:ext>
     <p:ext uri="GoogleSlidesCustomDataVersion2">
-      <go:slidesCustomData xmlns:go="http://customooxmlschemas.google.com/" xmlns:ahyp="http://schemas.microsoft.com/office/drawing/2018/hyperlinkcolor" xmlns:p15="http://schemas.microsoft.com/office/powerpoint/2012/main" xmlns:p14="http://schemas.microsoft.com/office/powerpoint/2010/main" xmlns:com="http://schemas.openxmlformats.org/drawingml/2006/compatibility" xmlns:pvml="urn:schemas-microsoft-com:office:powerpoint" xmlns:v="urn:schemas-microsoft-com:vml" xmlns:o="urn:schemas-microsoft-com:office:office" xmlns:dgm="http://schemas.openxmlformats.org/drawingml/2006/diagram" xmlns:c="http://schemas.openxmlformats.org/drawingml/2006/chart" xmlns:mv="urn:schemas-microsoft-com:mac:vml" xmlns:mc="http://schemas.openxmlformats.org/markup-compatibility/2006" xmlns="" r:id="rId13" roundtripDataSignature="AMtx7mjvwnRGtHpMbeZ+DVwc7WWCIQZ69w=="/>
+      <go:slidesCustomData xmlns="" xmlns:mc="http://schemas.openxmlformats.org/markup-compatibility/2006" xmlns:mv="urn:schemas-microsoft-com:mac:vml" xmlns:c="http://schemas.openxmlformats.org/drawingml/2006/chart" xmlns:dgm="http://schemas.openxmlformats.org/drawingml/2006/diagram" xmlns:o="urn:schemas-microsoft-com:office:office" xmlns:v="urn:schemas-microsoft-com:vml" xmlns:pvml="urn:schemas-microsoft-com:office:powerpoint" xmlns:com="http://schemas.openxmlformats.org/drawingml/2006/compatibility" xmlns:p14="http://schemas.microsoft.com/office/powerpoint/2010/main" xmlns:p15="http://schemas.microsoft.com/office/powerpoint/2012/main" xmlns:ahyp="http://schemas.microsoft.com/office/drawing/2018/hyperlinkcolor" xmlns:go="http://customooxmlschemas.google.com/" r:id="rId13" roundtripDataSignature="AMtx7mjvwnRGtHpMbeZ+DVwc7WWCIQZ69w=="/>
     </p:ext>
   </p:extLst>
 </p:presentation>
@@ -1621,6 +1622,199 @@
         </p:txBody>
       </p:sp>
     </p:spTree>
+  </p:cSld>
+  <p:clrMapOvr>
+    <a:masterClrMapping/>
+  </p:clrMapOvr>
+</p:notes>
+</file>
+
+<file path=ppt/notesSlides/notesSlide10.xml><?xml version="1.0" encoding="utf-8"?>
+<p:notes xmlns:a="http://schemas.openxmlformats.org/drawingml/2006/main" xmlns:r="http://schemas.openxmlformats.org/officeDocument/2006/relationships" xmlns:p="http://schemas.openxmlformats.org/presentationml/2006/main" showMasterSp="0" showMasterPhAnim="0">
+  <p:cSld>
+    <p:spTree>
+      <p:nvGrpSpPr>
+        <p:cNvPr id="1" name="Shape 169">
+          <a:extLst>
+            <a:ext uri="{FF2B5EF4-FFF2-40B4-BE49-F238E27FC236}">
+              <a16:creationId xmlns:a16="http://schemas.microsoft.com/office/drawing/2014/main" id="{CFDEE8E6-A584-A254-E05D-6F299174B04B}"/>
+            </a:ext>
+          </a:extLst>
+        </p:cNvPr>
+        <p:cNvGrpSpPr/>
+        <p:nvPr/>
+      </p:nvGrpSpPr>
+      <p:grpSpPr>
+        <a:xfrm>
+          <a:off x="0" y="0"/>
+          <a:ext cx="0" cy="0"/>
+          <a:chOff x="0" y="0"/>
+          <a:chExt cx="0" cy="0"/>
+        </a:xfrm>
+      </p:grpSpPr>
+      <p:sp>
+        <p:nvSpPr>
+          <p:cNvPr id="170" name="Google Shape;170;p7:notes">
+            <a:extLst>
+              <a:ext uri="{FF2B5EF4-FFF2-40B4-BE49-F238E27FC236}">
+                <a16:creationId xmlns:a16="http://schemas.microsoft.com/office/drawing/2014/main" id="{01C452E7-2589-C5F9-40FE-6BDB4588B5BC}"/>
+              </a:ext>
+            </a:extLst>
+          </p:cNvPr>
+          <p:cNvSpPr>
+            <a:spLocks noGrp="1" noRot="1" noChangeAspect="1"/>
+          </p:cNvSpPr>
+          <p:nvPr>
+            <p:ph type="sldImg" idx="2"/>
+          </p:nvPr>
+        </p:nvSpPr>
+        <p:spPr>
+          <a:xfrm>
+            <a:off x="1143000" y="685800"/>
+            <a:ext cx="4572000" cy="3429000"/>
+          </a:xfrm>
+          <a:custGeom>
+            <a:avLst/>
+            <a:gdLst/>
+            <a:ahLst/>
+            <a:cxnLst/>
+            <a:rect l="l" t="t" r="r" b="b"/>
+            <a:pathLst>
+              <a:path w="120000" h="120000" extrusionOk="0">
+                <a:moveTo>
+                  <a:pt x="0" y="0"/>
+                </a:moveTo>
+                <a:lnTo>
+                  <a:pt x="120000" y="0"/>
+                </a:lnTo>
+                <a:lnTo>
+                  <a:pt x="120000" y="120000"/>
+                </a:lnTo>
+                <a:lnTo>
+                  <a:pt x="0" y="120000"/>
+                </a:lnTo>
+                <a:close/>
+              </a:path>
+            </a:pathLst>
+          </a:custGeom>
+          <a:noFill/>
+          <a:ln w="12700" cap="flat" cmpd="sng">
+            <a:solidFill>
+              <a:srgbClr val="000000"/>
+            </a:solidFill>
+            <a:prstDash val="solid"/>
+            <a:round/>
+            <a:headEnd type="none" w="sm" len="sm"/>
+            <a:tailEnd type="none" w="sm" len="sm"/>
+          </a:ln>
+        </p:spPr>
+      </p:sp>
+      <p:sp>
+        <p:nvSpPr>
+          <p:cNvPr id="171" name="Google Shape;171;p7:notes">
+            <a:extLst>
+              <a:ext uri="{FF2B5EF4-FFF2-40B4-BE49-F238E27FC236}">
+                <a16:creationId xmlns:a16="http://schemas.microsoft.com/office/drawing/2014/main" id="{94A05E70-7C77-B91E-8B4B-AB87474D5179}"/>
+              </a:ext>
+            </a:extLst>
+          </p:cNvPr>
+          <p:cNvSpPr txBox="1">
+            <a:spLocks noGrp="1"/>
+          </p:cNvSpPr>
+          <p:nvPr>
+            <p:ph type="body" idx="1"/>
+          </p:nvPr>
+        </p:nvSpPr>
+        <p:spPr>
+          <a:xfrm>
+            <a:off x="685800" y="4343400"/>
+            <a:ext cx="5486400" cy="4114800"/>
+          </a:xfrm>
+          <a:prstGeom prst="rect">
+            <a:avLst/>
+          </a:prstGeom>
+          <a:noFill/>
+          <a:ln>
+            <a:noFill/>
+          </a:ln>
+        </p:spPr>
+        <p:txBody>
+          <a:bodyPr spcFirstLastPara="1" wrap="square" lIns="91425" tIns="45700" rIns="91425" bIns="45700" anchor="t" anchorCtr="0">
+            <a:normAutofit/>
+          </a:bodyPr>
+          <a:lstStyle/>
+          <a:p>
+            <a:pPr marL="0" lvl="0" indent="0" algn="l" rtl="0">
+              <a:spcBef>
+                <a:spcPts val="0"/>
+              </a:spcBef>
+              <a:spcAft>
+                <a:spcPts val="0"/>
+              </a:spcAft>
+              <a:buNone/>
+            </a:pPr>
+            <a:endParaRPr/>
+          </a:p>
+        </p:txBody>
+      </p:sp>
+      <p:sp>
+        <p:nvSpPr>
+          <p:cNvPr id="172" name="Google Shape;172;p7:notes">
+            <a:extLst>
+              <a:ext uri="{FF2B5EF4-FFF2-40B4-BE49-F238E27FC236}">
+                <a16:creationId xmlns:a16="http://schemas.microsoft.com/office/drawing/2014/main" id="{5FB86A19-DC5A-6751-A262-778935E8B06B}"/>
+              </a:ext>
+            </a:extLst>
+          </p:cNvPr>
+          <p:cNvSpPr txBox="1">
+            <a:spLocks noGrp="1"/>
+          </p:cNvSpPr>
+          <p:nvPr>
+            <p:ph type="sldNum" idx="12"/>
+          </p:nvPr>
+        </p:nvSpPr>
+        <p:spPr>
+          <a:xfrm>
+            <a:off x="3884613" y="8685213"/>
+            <a:ext cx="2971800" cy="457200"/>
+          </a:xfrm>
+          <a:prstGeom prst="rect">
+            <a:avLst/>
+          </a:prstGeom>
+          <a:noFill/>
+          <a:ln>
+            <a:noFill/>
+          </a:ln>
+        </p:spPr>
+        <p:txBody>
+          <a:bodyPr spcFirstLastPara="1" wrap="square" lIns="91425" tIns="45700" rIns="91425" bIns="45700" anchor="b" anchorCtr="0">
+            <a:noAutofit/>
+          </a:bodyPr>
+          <a:lstStyle/>
+          <a:p>
+            <a:pPr marL="0" lvl="0" indent="0" algn="r" rtl="0">
+              <a:spcBef>
+                <a:spcPts val="0"/>
+              </a:spcBef>
+              <a:spcAft>
+                <a:spcPts val="0"/>
+              </a:spcAft>
+              <a:buNone/>
+            </a:pPr>
+            <a:fld id="{00000000-1234-1234-1234-123412341234}" type="slidenum">
+              <a:rPr lang="en-US"/>
+              <a:t>10</a:t>
+            </a:fld>
+            <a:endParaRPr/>
+          </a:p>
+        </p:txBody>
+      </p:sp>
+    </p:spTree>
+    <p:extLst>
+      <p:ext uri="{BB962C8B-B14F-4D97-AF65-F5344CB8AC3E}">
+        <p14:creationId xmlns:p14="http://schemas.microsoft.com/office/powerpoint/2010/main" val="1912483871"/>
+      </p:ext>
+    </p:extLst>
   </p:cSld>
   <p:clrMapOvr>
     <a:masterClrMapping/>
@@ -13095,9 +13289,9 @@
               <a:solidFill>
                 <a:srgbClr val="595959"/>
               </a:solidFill>
-              <a:latin typeface="Times New Roman"/>
+              <a:latin typeface="Times New Roman" panose="02020603050405020304" pitchFamily="18" charset="0"/>
               <a:ea typeface="Times New Roman"/>
-              <a:cs typeface="Times New Roman"/>
+              <a:cs typeface="Times New Roman" panose="02020603050405020304" pitchFamily="18" charset="0"/>
               <a:sym typeface="Times New Roman"/>
             </a:endParaRPr>
           </a:p>
@@ -13120,17 +13314,17 @@
                 <a:solidFill>
                   <a:srgbClr val="595959"/>
                 </a:solidFill>
-                <a:latin typeface="Times New Roman"/>
+                <a:latin typeface="Times New Roman" panose="02020603050405020304" pitchFamily="18" charset="0"/>
                 <a:ea typeface="Times New Roman"/>
-                <a:cs typeface="Times New Roman"/>
+                <a:cs typeface="Times New Roman" panose="02020603050405020304" pitchFamily="18" charset="0"/>
                 <a:sym typeface="Times New Roman"/>
               </a:rPr>
               <a:t>Project- BCI685</a:t>
             </a:r>
             <a:endParaRPr dirty="0">
-              <a:latin typeface="Times New Roman"/>
+              <a:latin typeface="Times New Roman" panose="02020603050405020304" pitchFamily="18" charset="0"/>
               <a:ea typeface="Times New Roman"/>
-              <a:cs typeface="Times New Roman"/>
+              <a:cs typeface="Times New Roman" panose="02020603050405020304" pitchFamily="18" charset="0"/>
               <a:sym typeface="Times New Roman"/>
             </a:endParaRPr>
           </a:p>
@@ -13153,9 +13347,9 @@
                 <a:solidFill>
                   <a:srgbClr val="595959"/>
                 </a:solidFill>
-                <a:latin typeface="Times New Roman"/>
+                <a:latin typeface="Times New Roman" panose="02020603050405020304" pitchFamily="18" charset="0"/>
                 <a:ea typeface="Times New Roman"/>
-                <a:cs typeface="Times New Roman"/>
+                <a:cs typeface="Times New Roman" panose="02020603050405020304" pitchFamily="18" charset="0"/>
                 <a:sym typeface="Times New Roman"/>
               </a:rPr>
               <a:t>On  </a:t>
@@ -13164,9 +13358,9 @@
               <a:solidFill>
                 <a:srgbClr val="3333CC"/>
               </a:solidFill>
-              <a:latin typeface="Times New Roman"/>
+              <a:latin typeface="Times New Roman" panose="02020603050405020304" pitchFamily="18" charset="0"/>
               <a:ea typeface="Times New Roman"/>
-              <a:cs typeface="Times New Roman"/>
+              <a:cs typeface="Times New Roman" panose="02020603050405020304" pitchFamily="18" charset="0"/>
               <a:sym typeface="Times New Roman"/>
             </a:endParaRPr>
           </a:p>
@@ -13189,9 +13383,9 @@
                 <a:solidFill>
                   <a:srgbClr val="3333CC"/>
                 </a:solidFill>
-                <a:latin typeface="Times New Roman"/>
+                <a:latin typeface="Times New Roman" panose="02020603050405020304" pitchFamily="18" charset="0"/>
                 <a:ea typeface="Times New Roman"/>
-                <a:cs typeface="Times New Roman"/>
+                <a:cs typeface="Times New Roman" panose="02020603050405020304" pitchFamily="18" charset="0"/>
                 <a:sym typeface="Times New Roman"/>
               </a:rPr>
               <a:t>“</a:t>
@@ -13201,6 +13395,8 @@
                 <a:solidFill>
                   <a:schemeClr val="tx1"/>
                 </a:solidFill>
+                <a:latin typeface="Times New Roman" panose="02020603050405020304" pitchFamily="18" charset="0"/>
+                <a:cs typeface="Times New Roman" panose="02020603050405020304" pitchFamily="18" charset="0"/>
               </a:rPr>
               <a:t>Intelligent Simulation Framework for Autonomous Vehicles</a:t>
             </a:r>
@@ -13209,9 +13405,9 @@
                 <a:solidFill>
                   <a:schemeClr val="dk1"/>
                 </a:solidFill>
-                <a:latin typeface="Times New Roman"/>
+                <a:latin typeface="Times New Roman" panose="02020603050405020304" pitchFamily="18" charset="0"/>
                 <a:ea typeface="Times New Roman"/>
-                <a:cs typeface="Times New Roman"/>
+                <a:cs typeface="Times New Roman" panose="02020603050405020304" pitchFamily="18" charset="0"/>
                 <a:sym typeface="Times New Roman"/>
               </a:rPr>
               <a:t> </a:t>
@@ -13221,9 +13417,9 @@
                 <a:solidFill>
                   <a:srgbClr val="3333CC"/>
                 </a:solidFill>
-                <a:latin typeface="Times New Roman"/>
+                <a:latin typeface="Times New Roman" panose="02020603050405020304" pitchFamily="18" charset="0"/>
                 <a:ea typeface="Times New Roman"/>
-                <a:cs typeface="Times New Roman"/>
+                <a:cs typeface="Times New Roman" panose="02020603050405020304" pitchFamily="18" charset="0"/>
                 <a:sym typeface="Times New Roman"/>
               </a:rPr>
               <a:t>”</a:t>
@@ -13232,9 +13428,9 @@
               <a:solidFill>
                 <a:schemeClr val="dk1"/>
               </a:solidFill>
-              <a:latin typeface="Times New Roman"/>
+              <a:latin typeface="Times New Roman" panose="02020603050405020304" pitchFamily="18" charset="0"/>
               <a:ea typeface="Times New Roman"/>
-              <a:cs typeface="Times New Roman"/>
+              <a:cs typeface="Times New Roman" panose="02020603050405020304" pitchFamily="18" charset="0"/>
               <a:sym typeface="Times New Roman"/>
             </a:endParaRPr>
           </a:p>
@@ -13254,17 +13450,17 @@
             </a:pPr>
             <a:r>
               <a:rPr lang="en-US" sz="2200" dirty="0">
-                <a:latin typeface="Times New Roman"/>
+                <a:latin typeface="Times New Roman" panose="02020603050405020304" pitchFamily="18" charset="0"/>
                 <a:ea typeface="Times New Roman"/>
-                <a:cs typeface="Times New Roman"/>
+                <a:cs typeface="Times New Roman" panose="02020603050405020304" pitchFamily="18" charset="0"/>
                 <a:sym typeface="Times New Roman"/>
               </a:rPr>
               <a:t>     </a:t>
             </a:r>
             <a:endParaRPr dirty="0">
-              <a:latin typeface="Times New Roman"/>
+              <a:latin typeface="Times New Roman" panose="02020603050405020304" pitchFamily="18" charset="0"/>
               <a:ea typeface="Times New Roman"/>
-              <a:cs typeface="Times New Roman"/>
+              <a:cs typeface="Times New Roman" panose="02020603050405020304" pitchFamily="18" charset="0"/>
               <a:sym typeface="Times New Roman"/>
             </a:endParaRPr>
           </a:p>
@@ -13290,9 +13486,9 @@
                 <a:solidFill>
                   <a:schemeClr val="accent2"/>
                 </a:solidFill>
-                <a:latin typeface="Times New Roman"/>
+                <a:latin typeface="Times New Roman" panose="02020603050405020304" pitchFamily="18" charset="0"/>
                 <a:ea typeface="Times New Roman"/>
-                <a:cs typeface="Times New Roman"/>
+                <a:cs typeface="Times New Roman" panose="02020603050405020304" pitchFamily="18" charset="0"/>
                 <a:sym typeface="Times New Roman"/>
               </a:rPr>
               <a:t>Presented by:</a:t>
@@ -13301,9 +13497,9 @@
               <a:solidFill>
                 <a:schemeClr val="dk1"/>
               </a:solidFill>
-              <a:latin typeface="Times New Roman"/>
+              <a:latin typeface="Times New Roman" panose="02020603050405020304" pitchFamily="18" charset="0"/>
               <a:ea typeface="Times New Roman"/>
-              <a:cs typeface="Times New Roman"/>
+              <a:cs typeface="Times New Roman" panose="02020603050405020304" pitchFamily="18" charset="0"/>
               <a:sym typeface="Times New Roman"/>
             </a:endParaRPr>
           </a:p>
@@ -13329,9 +13525,9 @@
                 <a:solidFill>
                   <a:schemeClr val="accent2"/>
                 </a:solidFill>
-                <a:latin typeface="Times New Roman"/>
+                <a:latin typeface="Times New Roman" panose="02020603050405020304" pitchFamily="18" charset="0"/>
                 <a:ea typeface="Times New Roman"/>
-                <a:cs typeface="Times New Roman"/>
+                <a:cs typeface="Times New Roman" panose="02020603050405020304" pitchFamily="18" charset="0"/>
                 <a:sym typeface="Times New Roman"/>
               </a:rPr>
               <a:t>PRIYANSHU KUMAR 	              </a:t>
@@ -13340,9 +13536,9 @@
               <a:solidFill>
                 <a:schemeClr val="dk1"/>
               </a:solidFill>
-              <a:latin typeface="Times New Roman"/>
+              <a:latin typeface="Times New Roman" panose="02020603050405020304" pitchFamily="18" charset="0"/>
               <a:ea typeface="Times New Roman"/>
-              <a:cs typeface="Times New Roman"/>
+              <a:cs typeface="Times New Roman" panose="02020603050405020304" pitchFamily="18" charset="0"/>
               <a:sym typeface="Times New Roman"/>
             </a:endParaRPr>
           </a:p>
@@ -13368,9 +13564,9 @@
                 <a:solidFill>
                   <a:schemeClr val="accent2"/>
                 </a:solidFill>
-                <a:latin typeface="Times New Roman"/>
+                <a:latin typeface="Times New Roman" panose="02020603050405020304" pitchFamily="18" charset="0"/>
                 <a:ea typeface="Times New Roman"/>
-                <a:cs typeface="Times New Roman"/>
+                <a:cs typeface="Times New Roman" panose="02020603050405020304" pitchFamily="18" charset="0"/>
                 <a:sym typeface="Times New Roman"/>
               </a:rPr>
               <a:t>PUSHPAK CHAKRABORTY</a:t>
@@ -13380,17 +13576,17 @@
                 <a:solidFill>
                   <a:schemeClr val="accent2"/>
                 </a:solidFill>
-                <a:latin typeface="Times New Roman"/>
+                <a:latin typeface="Times New Roman" panose="02020603050405020304" pitchFamily="18" charset="0"/>
                 <a:ea typeface="Times New Roman"/>
-                <a:cs typeface="Times New Roman"/>
+                <a:cs typeface="Times New Roman" panose="02020603050405020304" pitchFamily="18" charset="0"/>
                 <a:sym typeface="Times New Roman"/>
               </a:rPr>
               <a:t>          </a:t>
             </a:r>
             <a:endParaRPr dirty="0">
-              <a:latin typeface="Times New Roman"/>
+              <a:latin typeface="Times New Roman" panose="02020603050405020304" pitchFamily="18" charset="0"/>
               <a:ea typeface="Times New Roman"/>
-              <a:cs typeface="Times New Roman"/>
+              <a:cs typeface="Times New Roman" panose="02020603050405020304" pitchFamily="18" charset="0"/>
               <a:sym typeface="Times New Roman"/>
             </a:endParaRPr>
           </a:p>
@@ -13416,9 +13612,9 @@
                 <a:solidFill>
                   <a:schemeClr val="accent2"/>
                 </a:solidFill>
-                <a:latin typeface="Times New Roman"/>
+                <a:latin typeface="Times New Roman" panose="02020603050405020304" pitchFamily="18" charset="0"/>
                 <a:ea typeface="Times New Roman"/>
-                <a:cs typeface="Times New Roman"/>
+                <a:cs typeface="Times New Roman" panose="02020603050405020304" pitchFamily="18" charset="0"/>
                 <a:sym typeface="Times New Roman"/>
               </a:rPr>
               <a:t>RAJATH K M		           	</a:t>
@@ -13427,9 +13623,9 @@
               <a:solidFill>
                 <a:schemeClr val="dk1"/>
               </a:solidFill>
-              <a:latin typeface="Times New Roman"/>
+              <a:latin typeface="Times New Roman" panose="02020603050405020304" pitchFamily="18" charset="0"/>
               <a:ea typeface="Times New Roman"/>
-              <a:cs typeface="Times New Roman"/>
+              <a:cs typeface="Times New Roman" panose="02020603050405020304" pitchFamily="18" charset="0"/>
               <a:sym typeface="Times New Roman"/>
             </a:endParaRPr>
           </a:p>
@@ -13455,9 +13651,9 @@
                 <a:solidFill>
                   <a:schemeClr val="accent2"/>
                 </a:solidFill>
-                <a:latin typeface="Times New Roman"/>
+                <a:latin typeface="Times New Roman" panose="02020603050405020304" pitchFamily="18" charset="0"/>
                 <a:ea typeface="Times New Roman"/>
-                <a:cs typeface="Times New Roman"/>
+                <a:cs typeface="Times New Roman" panose="02020603050405020304" pitchFamily="18" charset="0"/>
                 <a:sym typeface="Times New Roman"/>
               </a:rPr>
               <a:t>TRUPTI GARWAD</a:t>
@@ -13467,32 +13663,20 @@
                 <a:solidFill>
                   <a:schemeClr val="accent2"/>
                 </a:solidFill>
-                <a:latin typeface="Times New Roman"/>
+                <a:latin typeface="Times New Roman" panose="02020603050405020304" pitchFamily="18" charset="0"/>
                 <a:ea typeface="Times New Roman"/>
-                <a:cs typeface="Times New Roman"/>
+                <a:cs typeface="Times New Roman" panose="02020603050405020304" pitchFamily="18" charset="0"/>
                 <a:sym typeface="Times New Roman"/>
               </a:rPr>
-              <a:t>	</a:t>
-            </a:r>
-            <a:r>
-              <a:rPr lang="en-US" sz="1800" b="1" i="0" u="none" strike="noStrike" cap="none">
-                <a:solidFill>
-                  <a:schemeClr val="accent2"/>
-                </a:solidFill>
-                <a:latin typeface="Times New Roman"/>
-                <a:ea typeface="Times New Roman"/>
-                <a:cs typeface="Times New Roman"/>
-                <a:sym typeface="Times New Roman"/>
-              </a:rPr>
-              <a:t>           </a:t>
+              <a:t>	           </a:t>
             </a:r>
             <a:endParaRPr sz="1800" dirty="0">
               <a:solidFill>
                 <a:schemeClr val="dk1"/>
               </a:solidFill>
-              <a:latin typeface="Times New Roman"/>
+              <a:latin typeface="Times New Roman" panose="02020603050405020304" pitchFamily="18" charset="0"/>
               <a:ea typeface="Times New Roman"/>
-              <a:cs typeface="Times New Roman"/>
+              <a:cs typeface="Times New Roman" panose="02020603050405020304" pitchFamily="18" charset="0"/>
               <a:sym typeface="Times New Roman"/>
             </a:endParaRPr>
           </a:p>
@@ -13518,17 +13702,17 @@
                 <a:solidFill>
                   <a:srgbClr val="953590"/>
                 </a:solidFill>
-                <a:latin typeface="Times New Roman"/>
+                <a:latin typeface="Times New Roman" panose="02020603050405020304" pitchFamily="18" charset="0"/>
                 <a:ea typeface="Times New Roman"/>
-                <a:cs typeface="Times New Roman"/>
+                <a:cs typeface="Times New Roman" panose="02020603050405020304" pitchFamily="18" charset="0"/>
                 <a:sym typeface="Times New Roman"/>
               </a:rPr>
               <a:t>							</a:t>
             </a:r>
             <a:endParaRPr dirty="0">
-              <a:latin typeface="Times New Roman"/>
+              <a:latin typeface="Times New Roman" panose="02020603050405020304" pitchFamily="18" charset="0"/>
               <a:ea typeface="Times New Roman"/>
-              <a:cs typeface="Times New Roman"/>
+              <a:cs typeface="Times New Roman" panose="02020603050405020304" pitchFamily="18" charset="0"/>
               <a:sym typeface="Times New Roman"/>
             </a:endParaRPr>
           </a:p>
@@ -13665,9 +13849,9 @@
               <a:solidFill>
                 <a:srgbClr val="953590"/>
               </a:solidFill>
-              <a:latin typeface="Times New Roman"/>
+              <a:latin typeface="Times New Roman" panose="02020603050405020304" pitchFamily="18" charset="0"/>
               <a:ea typeface="Times New Roman"/>
-              <a:cs typeface="Times New Roman"/>
+              <a:cs typeface="Times New Roman" panose="02020603050405020304" pitchFamily="18" charset="0"/>
               <a:sym typeface="Times New Roman"/>
             </a:endParaRPr>
           </a:p>
@@ -13685,9 +13869,9 @@
               <a:solidFill>
                 <a:srgbClr val="953590"/>
               </a:solidFill>
-              <a:latin typeface="Times New Roman"/>
+              <a:latin typeface="Times New Roman" panose="02020603050405020304" pitchFamily="18" charset="0"/>
               <a:ea typeface="Times New Roman"/>
-              <a:cs typeface="Times New Roman"/>
+              <a:cs typeface="Times New Roman" panose="02020603050405020304" pitchFamily="18" charset="0"/>
               <a:sym typeface="Times New Roman"/>
             </a:endParaRPr>
           </a:p>
@@ -13705,9 +13889,9 @@
               <a:solidFill>
                 <a:srgbClr val="953590"/>
               </a:solidFill>
-              <a:latin typeface="Times New Roman"/>
+              <a:latin typeface="Times New Roman" panose="02020603050405020304" pitchFamily="18" charset="0"/>
               <a:ea typeface="Times New Roman"/>
-              <a:cs typeface="Times New Roman"/>
+              <a:cs typeface="Times New Roman" panose="02020603050405020304" pitchFamily="18" charset="0"/>
               <a:sym typeface="Times New Roman"/>
             </a:endParaRPr>
           </a:p>
@@ -13725,9 +13909,9 @@
               <a:solidFill>
                 <a:srgbClr val="953590"/>
               </a:solidFill>
-              <a:latin typeface="Times New Roman"/>
+              <a:latin typeface="Times New Roman" panose="02020603050405020304" pitchFamily="18" charset="0"/>
               <a:ea typeface="Times New Roman"/>
-              <a:cs typeface="Times New Roman"/>
+              <a:cs typeface="Times New Roman" panose="02020603050405020304" pitchFamily="18" charset="0"/>
               <a:sym typeface="Times New Roman"/>
             </a:endParaRPr>
           </a:p>
@@ -13749,9 +13933,9 @@
                 <a:solidFill>
                   <a:srgbClr val="953590"/>
                 </a:solidFill>
-                <a:latin typeface="Times New Roman"/>
+                <a:latin typeface="Times New Roman" panose="02020603050405020304" pitchFamily="18" charset="0"/>
                 <a:ea typeface="Times New Roman"/>
-                <a:cs typeface="Times New Roman"/>
+                <a:cs typeface="Times New Roman" panose="02020603050405020304" pitchFamily="18" charset="0"/>
                 <a:sym typeface="Times New Roman"/>
               </a:rPr>
               <a:t>Under the guidance of :</a:t>
@@ -13760,9 +13944,9 @@
               <a:solidFill>
                 <a:schemeClr val="dk1"/>
               </a:solidFill>
-              <a:latin typeface="Times New Roman"/>
+              <a:latin typeface="Times New Roman" panose="02020603050405020304" pitchFamily="18" charset="0"/>
               <a:ea typeface="Times New Roman"/>
-              <a:cs typeface="Times New Roman"/>
+              <a:cs typeface="Times New Roman" panose="02020603050405020304" pitchFamily="18" charset="0"/>
               <a:sym typeface="Times New Roman"/>
             </a:endParaRPr>
           </a:p>
@@ -13781,13 +13965,16 @@
                 <a:solidFill>
                   <a:srgbClr val="953590"/>
                 </a:solidFill>
-                <a:latin typeface="Times New Roman"/>
-                <a:cs typeface="Times New Roman"/>
+                <a:latin typeface="Times New Roman" panose="02020603050405020304" pitchFamily="18" charset="0"/>
+                <a:cs typeface="Times New Roman" panose="02020603050405020304" pitchFamily="18" charset="0"/>
                 <a:sym typeface="Times New Roman"/>
               </a:rPr>
               <a:t>Prof. Muniraju M</a:t>
             </a:r>
-            <a:endParaRPr dirty="0"/>
+            <a:endParaRPr dirty="0">
+              <a:latin typeface="Times New Roman" panose="02020603050405020304" pitchFamily="18" charset="0"/>
+              <a:cs typeface="Times New Roman" panose="02020603050405020304" pitchFamily="18" charset="0"/>
+            </a:endParaRPr>
           </a:p>
           <a:p>
             <a:pPr marL="0" marR="0" lvl="0" indent="0" algn="l" rtl="0">
@@ -13804,9 +13991,9 @@
                 <a:solidFill>
                   <a:srgbClr val="953590"/>
                 </a:solidFill>
-                <a:latin typeface="Times New Roman"/>
+                <a:latin typeface="Times New Roman" panose="02020603050405020304" pitchFamily="18" charset="0"/>
                 <a:ea typeface="Times New Roman"/>
-                <a:cs typeface="Times New Roman"/>
+                <a:cs typeface="Times New Roman" panose="02020603050405020304" pitchFamily="18" charset="0"/>
                 <a:sym typeface="Times New Roman"/>
               </a:rPr>
               <a:t>Assistant Professor</a:t>
@@ -13815,9 +14002,9 @@
               <a:solidFill>
                 <a:schemeClr val="dk1"/>
               </a:solidFill>
-              <a:latin typeface="Times New Roman"/>
+              <a:latin typeface="Times New Roman" panose="02020603050405020304" pitchFamily="18" charset="0"/>
               <a:ea typeface="Times New Roman"/>
-              <a:cs typeface="Times New Roman"/>
+              <a:cs typeface="Times New Roman" panose="02020603050405020304" pitchFamily="18" charset="0"/>
               <a:sym typeface="Times New Roman"/>
             </a:endParaRPr>
           </a:p>
@@ -13836,9 +14023,9 @@
                 <a:solidFill>
                   <a:srgbClr val="953590"/>
                 </a:solidFill>
-                <a:latin typeface="Times New Roman"/>
+                <a:latin typeface="Times New Roman" panose="02020603050405020304" pitchFamily="18" charset="0"/>
                 <a:ea typeface="Times New Roman"/>
-                <a:cs typeface="Times New Roman"/>
+                <a:cs typeface="Times New Roman" panose="02020603050405020304" pitchFamily="18" charset="0"/>
                 <a:sym typeface="Times New Roman"/>
               </a:rPr>
               <a:t>Dept. of AI &amp; ML, SJCIT</a:t>
@@ -13847,9 +14034,9 @@
               <a:solidFill>
                 <a:schemeClr val="dk1"/>
               </a:solidFill>
-              <a:latin typeface="Times New Roman"/>
+              <a:latin typeface="Times New Roman" panose="02020603050405020304" pitchFamily="18" charset="0"/>
               <a:ea typeface="Times New Roman"/>
-              <a:cs typeface="Times New Roman"/>
+              <a:cs typeface="Times New Roman" panose="02020603050405020304" pitchFamily="18" charset="0"/>
               <a:sym typeface="Times New Roman"/>
             </a:endParaRPr>
           </a:p>
@@ -13867,9 +14054,9 @@
               <a:solidFill>
                 <a:srgbClr val="953590"/>
               </a:solidFill>
-              <a:latin typeface="Times New Roman"/>
+              <a:latin typeface="Times New Roman" panose="02020603050405020304" pitchFamily="18" charset="0"/>
               <a:ea typeface="Times New Roman"/>
-              <a:cs typeface="Times New Roman"/>
+              <a:cs typeface="Times New Roman" panose="02020603050405020304" pitchFamily="18" charset="0"/>
               <a:sym typeface="Times New Roman"/>
             </a:endParaRPr>
           </a:p>
@@ -13887,9 +14074,9 @@
               <a:solidFill>
                 <a:schemeClr val="dk1"/>
               </a:solidFill>
-              <a:latin typeface="Calibri"/>
+              <a:latin typeface="Times New Roman" panose="02020603050405020304" pitchFamily="18" charset="0"/>
               <a:ea typeface="Calibri"/>
-              <a:cs typeface="Calibri"/>
+              <a:cs typeface="Times New Roman" panose="02020603050405020304" pitchFamily="18" charset="0"/>
               <a:sym typeface="Calibri"/>
             </a:endParaRPr>
           </a:p>
@@ -14061,6 +14248,464 @@
 </p:sld>
 </file>
 
+<file path=ppt/slides/slide10.xml><?xml version="1.0" encoding="utf-8"?>
+<p:sld xmlns:a="http://schemas.openxmlformats.org/drawingml/2006/main" xmlns:r="http://schemas.openxmlformats.org/officeDocument/2006/relationships" xmlns:p="http://schemas.openxmlformats.org/presentationml/2006/main">
+  <p:cSld>
+    <p:spTree>
+      <p:nvGrpSpPr>
+        <p:cNvPr id="1" name="Shape 173">
+          <a:extLst>
+            <a:ext uri="{FF2B5EF4-FFF2-40B4-BE49-F238E27FC236}">
+              <a16:creationId xmlns:a16="http://schemas.microsoft.com/office/drawing/2014/main" id="{AF517420-A9F6-4DF9-78D0-84F502E8B99D}"/>
+            </a:ext>
+          </a:extLst>
+        </p:cNvPr>
+        <p:cNvGrpSpPr/>
+        <p:nvPr/>
+      </p:nvGrpSpPr>
+      <p:grpSpPr>
+        <a:xfrm>
+          <a:off x="0" y="0"/>
+          <a:ext cx="0" cy="0"/>
+          <a:chOff x="0" y="0"/>
+          <a:chExt cx="0" cy="0"/>
+        </a:xfrm>
+      </p:grpSpPr>
+      <p:sp>
+        <p:nvSpPr>
+          <p:cNvPr id="174" name="Google Shape;174;p7">
+            <a:extLst>
+              <a:ext uri="{FF2B5EF4-FFF2-40B4-BE49-F238E27FC236}">
+                <a16:creationId xmlns:a16="http://schemas.microsoft.com/office/drawing/2014/main" id="{9888FE6E-533F-01F0-ECAF-B660F2AFCA65}"/>
+              </a:ext>
+            </a:extLst>
+          </p:cNvPr>
+          <p:cNvSpPr txBox="1">
+            <a:spLocks noGrp="1"/>
+          </p:cNvSpPr>
+          <p:nvPr>
+            <p:ph type="title"/>
+          </p:nvPr>
+        </p:nvSpPr>
+        <p:spPr>
+          <a:xfrm>
+            <a:off x="457200" y="274638"/>
+            <a:ext cx="8229600" cy="1143000"/>
+          </a:xfrm>
+          <a:prstGeom prst="rect">
+            <a:avLst/>
+          </a:prstGeom>
+          <a:noFill/>
+          <a:ln>
+            <a:noFill/>
+          </a:ln>
+        </p:spPr>
+        <p:txBody>
+          <a:bodyPr spcFirstLastPara="1" wrap="square" lIns="91425" tIns="45700" rIns="91425" bIns="45700" anchor="ctr" anchorCtr="0">
+            <a:normAutofit/>
+          </a:bodyPr>
+          <a:lstStyle/>
+          <a:p>
+            <a:pPr>
+              <a:buClr>
+                <a:srgbClr val="262626"/>
+              </a:buClr>
+              <a:buSzPts val="1000"/>
+            </a:pPr>
+            <a:r>
+              <a:rPr lang="en-US" sz="2000" dirty="0">
+                <a:solidFill>
+                  <a:schemeClr val="dk1"/>
+                </a:solidFill>
+                <a:latin typeface="Times New Roman"/>
+                <a:ea typeface="Times New Roman"/>
+                <a:cs typeface="Times New Roman"/>
+                <a:sym typeface="Times New Roman"/>
+              </a:rPr>
+              <a:t>Intelligent Simulation Framework for Autonomous Vehicles </a:t>
+            </a:r>
+            <a:br>
+              <a:rPr lang="en-US" sz="1000" dirty="0">
+                <a:solidFill>
+                  <a:schemeClr val="dk1"/>
+                </a:solidFill>
+                <a:latin typeface="Times New Roman"/>
+                <a:ea typeface="Times New Roman"/>
+                <a:cs typeface="Times New Roman"/>
+                <a:sym typeface="Times New Roman"/>
+              </a:rPr>
+            </a:br>
+            <a:br>
+              <a:rPr lang="en-US" sz="1000" b="1" dirty="0">
+                <a:latin typeface="Times New Roman"/>
+                <a:ea typeface="Times New Roman"/>
+                <a:cs typeface="Times New Roman"/>
+                <a:sym typeface="Times New Roman"/>
+              </a:rPr>
+            </a:br>
+            <a:endParaRPr sz="1000" dirty="0"/>
+          </a:p>
+        </p:txBody>
+      </p:sp>
+      <p:sp>
+        <p:nvSpPr>
+          <p:cNvPr id="175" name="Google Shape;175;p7">
+            <a:extLst>
+              <a:ext uri="{FF2B5EF4-FFF2-40B4-BE49-F238E27FC236}">
+                <a16:creationId xmlns:a16="http://schemas.microsoft.com/office/drawing/2014/main" id="{2241FD18-9E0E-5F65-C3AA-50D69A58DF56}"/>
+              </a:ext>
+            </a:extLst>
+          </p:cNvPr>
+          <p:cNvSpPr txBox="1">
+            <a:spLocks noGrp="1"/>
+          </p:cNvSpPr>
+          <p:nvPr>
+            <p:ph type="body" idx="1"/>
+          </p:nvPr>
+        </p:nvSpPr>
+        <p:spPr>
+          <a:xfrm>
+            <a:off x="2157412" y="2664220"/>
+            <a:ext cx="4829175" cy="764780"/>
+          </a:xfrm>
+          <a:prstGeom prst="rect">
+            <a:avLst/>
+          </a:prstGeom>
+          <a:noFill/>
+          <a:ln>
+            <a:noFill/>
+          </a:ln>
+        </p:spPr>
+        <p:txBody>
+          <a:bodyPr spcFirstLastPara="1" wrap="square" lIns="91425" tIns="45700" rIns="91425" bIns="45700" anchor="t" anchorCtr="0">
+            <a:noAutofit/>
+          </a:bodyPr>
+          <a:lstStyle/>
+          <a:p>
+            <a:pPr marL="0" marR="0" lvl="0" indent="0" algn="ctr" rtl="0">
+              <a:lnSpc>
+                <a:spcPct val="150000"/>
+              </a:lnSpc>
+              <a:spcBef>
+                <a:spcPts val="0"/>
+              </a:spcBef>
+              <a:spcAft>
+                <a:spcPts val="0"/>
+              </a:spcAft>
+              <a:buSzPts val="1800"/>
+              <a:buNone/>
+            </a:pPr>
+            <a:r>
+              <a:rPr lang="en-US" sz="4000" dirty="0">
+                <a:latin typeface="Times New Roman"/>
+                <a:ea typeface="Times New Roman"/>
+                <a:cs typeface="Times New Roman"/>
+                <a:sym typeface="Times New Roman"/>
+              </a:rPr>
+              <a:t>THANK YOU</a:t>
+            </a:r>
+            <a:endParaRPr sz="4000" dirty="0">
+              <a:latin typeface="Times New Roman"/>
+              <a:ea typeface="Times New Roman"/>
+              <a:cs typeface="Times New Roman"/>
+              <a:sym typeface="Times New Roman"/>
+            </a:endParaRPr>
+          </a:p>
+        </p:txBody>
+      </p:sp>
+      <p:sp>
+        <p:nvSpPr>
+          <p:cNvPr id="176" name="Google Shape;176;p7">
+            <a:extLst>
+              <a:ext uri="{FF2B5EF4-FFF2-40B4-BE49-F238E27FC236}">
+                <a16:creationId xmlns:a16="http://schemas.microsoft.com/office/drawing/2014/main" id="{8479CF93-5BE0-231B-9FA2-4E5C7A1BC9B6}"/>
+              </a:ext>
+            </a:extLst>
+          </p:cNvPr>
+          <p:cNvSpPr txBox="1">
+            <a:spLocks noGrp="1"/>
+          </p:cNvSpPr>
+          <p:nvPr>
+            <p:ph type="ftr" idx="11"/>
+          </p:nvPr>
+        </p:nvSpPr>
+        <p:spPr>
+          <a:xfrm>
+            <a:off x="0" y="6356350"/>
+            <a:ext cx="6019800" cy="365125"/>
+          </a:xfrm>
+          <a:prstGeom prst="rect">
+            <a:avLst/>
+          </a:prstGeom>
+          <a:noFill/>
+          <a:ln>
+            <a:noFill/>
+          </a:ln>
+        </p:spPr>
+        <p:txBody>
+          <a:bodyPr spcFirstLastPara="1" wrap="square" lIns="91425" tIns="45700" rIns="91425" bIns="45700" anchor="ctr" anchorCtr="0">
+            <a:noAutofit/>
+          </a:bodyPr>
+          <a:lstStyle/>
+          <a:p>
+            <a:pPr marL="0" lvl="0" indent="0" algn="l" rtl="0">
+              <a:spcBef>
+                <a:spcPts val="0"/>
+              </a:spcBef>
+              <a:spcAft>
+                <a:spcPts val="0"/>
+              </a:spcAft>
+              <a:buNone/>
+            </a:pPr>
+            <a:r>
+              <a:rPr lang="en-US" sz="1400" dirty="0">
+                <a:solidFill>
+                  <a:schemeClr val="dk1"/>
+                </a:solidFill>
+                <a:latin typeface="Times New Roman"/>
+                <a:ea typeface="Times New Roman"/>
+                <a:cs typeface="Times New Roman"/>
+                <a:sym typeface="Times New Roman"/>
+              </a:rPr>
+              <a:t>Intelligent Simulation Framework for Autonomous Vehicles </a:t>
+            </a:r>
+            <a:endParaRPr sz="1400" dirty="0">
+              <a:solidFill>
+                <a:schemeClr val="dk1"/>
+              </a:solidFill>
+              <a:latin typeface="Times New Roman"/>
+              <a:ea typeface="Times New Roman"/>
+              <a:cs typeface="Times New Roman"/>
+              <a:sym typeface="Times New Roman"/>
+            </a:endParaRPr>
+          </a:p>
+        </p:txBody>
+      </p:sp>
+      <p:sp>
+        <p:nvSpPr>
+          <p:cNvPr id="177" name="Google Shape;177;p7">
+            <a:extLst>
+              <a:ext uri="{FF2B5EF4-FFF2-40B4-BE49-F238E27FC236}">
+                <a16:creationId xmlns:a16="http://schemas.microsoft.com/office/drawing/2014/main" id="{9685F66C-4AC1-01C8-6405-D541749D956C}"/>
+              </a:ext>
+            </a:extLst>
+          </p:cNvPr>
+          <p:cNvSpPr txBox="1">
+            <a:spLocks noGrp="1"/>
+          </p:cNvSpPr>
+          <p:nvPr>
+            <p:ph type="sldNum" idx="12"/>
+          </p:nvPr>
+        </p:nvSpPr>
+        <p:spPr>
+          <a:xfrm>
+            <a:off x="6553200" y="6356350"/>
+            <a:ext cx="2133600" cy="365125"/>
+          </a:xfrm>
+          <a:prstGeom prst="rect">
+            <a:avLst/>
+          </a:prstGeom>
+          <a:noFill/>
+          <a:ln>
+            <a:noFill/>
+          </a:ln>
+        </p:spPr>
+        <p:txBody>
+          <a:bodyPr spcFirstLastPara="1" wrap="square" lIns="91425" tIns="45700" rIns="91425" bIns="45700" anchor="ctr" anchorCtr="0">
+            <a:noAutofit/>
+          </a:bodyPr>
+          <a:lstStyle/>
+          <a:p>
+            <a:pPr marL="0" lvl="0" indent="0" algn="r" rtl="0">
+              <a:spcBef>
+                <a:spcPts val="0"/>
+              </a:spcBef>
+              <a:spcAft>
+                <a:spcPts val="0"/>
+              </a:spcAft>
+              <a:buNone/>
+            </a:pPr>
+            <a:fld id="{00000000-1234-1234-1234-123412341234}" type="slidenum">
+              <a:rPr lang="en-US">
+                <a:solidFill>
+                  <a:srgbClr val="002060"/>
+                </a:solidFill>
+                <a:latin typeface="Times New Roman"/>
+                <a:ea typeface="Times New Roman"/>
+                <a:cs typeface="Times New Roman"/>
+                <a:sym typeface="Times New Roman"/>
+              </a:rPr>
+              <a:t>10</a:t>
+            </a:fld>
+            <a:endParaRPr>
+              <a:solidFill>
+                <a:srgbClr val="002060"/>
+              </a:solidFill>
+              <a:latin typeface="Times New Roman"/>
+              <a:ea typeface="Times New Roman"/>
+              <a:cs typeface="Times New Roman"/>
+              <a:sym typeface="Times New Roman"/>
+            </a:endParaRPr>
+          </a:p>
+        </p:txBody>
+      </p:sp>
+      <p:pic>
+        <p:nvPicPr>
+          <p:cNvPr id="178" name="Google Shape;178;p7" descr="C:\Users\welco_koih58\OneDrive\Desktop\download.jpg">
+            <a:extLst>
+              <a:ext uri="{FF2B5EF4-FFF2-40B4-BE49-F238E27FC236}">
+                <a16:creationId xmlns:a16="http://schemas.microsoft.com/office/drawing/2014/main" id="{00394E2F-AEC0-7933-55DD-4674D0456F25}"/>
+              </a:ext>
+            </a:extLst>
+          </p:cNvPr>
+          <p:cNvPicPr preferRelativeResize="0"/>
+          <p:nvPr/>
+        </p:nvPicPr>
+        <p:blipFill rotWithShape="1">
+          <a:blip r:embed="rId3">
+            <a:alphaModFix/>
+          </a:blip>
+          <a:srcRect/>
+          <a:stretch/>
+        </p:blipFill>
+        <p:spPr>
+          <a:xfrm>
+            <a:off x="0" y="0"/>
+            <a:ext cx="1285884" cy="1071570"/>
+          </a:xfrm>
+          <a:prstGeom prst="rect">
+            <a:avLst/>
+          </a:prstGeom>
+          <a:noFill/>
+          <a:ln>
+            <a:noFill/>
+          </a:ln>
+        </p:spPr>
+      </p:pic>
+      <p:cxnSp>
+        <p:nvCxnSpPr>
+          <p:cNvPr id="179" name="Google Shape;179;p7">
+            <a:extLst>
+              <a:ext uri="{FF2B5EF4-FFF2-40B4-BE49-F238E27FC236}">
+                <a16:creationId xmlns:a16="http://schemas.microsoft.com/office/drawing/2014/main" id="{3E1004F2-7F23-5E85-A229-11B5FB412795}"/>
+              </a:ext>
+            </a:extLst>
+          </p:cNvPr>
+          <p:cNvCxnSpPr/>
+          <p:nvPr/>
+        </p:nvCxnSpPr>
+        <p:spPr>
+          <a:xfrm>
+            <a:off x="0" y="1142984"/>
+            <a:ext cx="9144000" cy="1588"/>
+          </a:xfrm>
+          <a:prstGeom prst="straightConnector1">
+            <a:avLst/>
+          </a:prstGeom>
+          <a:noFill/>
+          <a:ln w="25400" cap="flat" cmpd="sng">
+            <a:solidFill>
+              <a:srgbClr val="E36C09"/>
+            </a:solidFill>
+            <a:prstDash val="solid"/>
+            <a:round/>
+            <a:headEnd type="none" w="sm" len="sm"/>
+            <a:tailEnd type="none" w="sm" len="sm"/>
+          </a:ln>
+          <a:effectLst>
+            <a:outerShdw blurRad="40000" dist="20000" dir="5400000" rotWithShape="0">
+              <a:srgbClr val="000000">
+                <a:alpha val="37647"/>
+              </a:srgbClr>
+            </a:outerShdw>
+          </a:effectLst>
+        </p:spPr>
+      </p:cxnSp>
+      <p:cxnSp>
+        <p:nvCxnSpPr>
+          <p:cNvPr id="180" name="Google Shape;180;p7">
+            <a:extLst>
+              <a:ext uri="{FF2B5EF4-FFF2-40B4-BE49-F238E27FC236}">
+                <a16:creationId xmlns:a16="http://schemas.microsoft.com/office/drawing/2014/main" id="{129DB643-7D6A-B53F-3689-E73FA7779ABC}"/>
+              </a:ext>
+            </a:extLst>
+          </p:cNvPr>
+          <p:cNvCxnSpPr/>
+          <p:nvPr/>
+        </p:nvCxnSpPr>
+        <p:spPr>
+          <a:xfrm>
+            <a:off x="0" y="6357958"/>
+            <a:ext cx="9144000" cy="1588"/>
+          </a:xfrm>
+          <a:prstGeom prst="straightConnector1">
+            <a:avLst/>
+          </a:prstGeom>
+          <a:noFill/>
+          <a:ln w="25400" cap="flat" cmpd="sng">
+            <a:solidFill>
+              <a:srgbClr val="E36C09"/>
+            </a:solidFill>
+            <a:prstDash val="solid"/>
+            <a:round/>
+            <a:headEnd type="none" w="sm" len="sm"/>
+            <a:tailEnd type="none" w="sm" len="sm"/>
+          </a:ln>
+          <a:effectLst>
+            <a:outerShdw blurRad="40000" dist="20000" dir="5400000" rotWithShape="0">
+              <a:srgbClr val="000000">
+                <a:alpha val="37647"/>
+              </a:srgbClr>
+            </a:outerShdw>
+          </a:effectLst>
+        </p:spPr>
+      </p:cxnSp>
+      <p:pic>
+        <p:nvPicPr>
+          <p:cNvPr id="181" name="Google Shape;181;p7" descr="Home - Information Science and Engineering">
+            <a:extLst>
+              <a:ext uri="{FF2B5EF4-FFF2-40B4-BE49-F238E27FC236}">
+                <a16:creationId xmlns:a16="http://schemas.microsoft.com/office/drawing/2014/main" id="{2FF939F1-CE70-BC57-D12E-3EB2D8DB0405}"/>
+              </a:ext>
+            </a:extLst>
+          </p:cNvPr>
+          <p:cNvPicPr preferRelativeResize="0"/>
+          <p:nvPr/>
+        </p:nvPicPr>
+        <p:blipFill rotWithShape="1">
+          <a:blip r:embed="rId4">
+            <a:alphaModFix/>
+          </a:blip>
+          <a:srcRect/>
+          <a:stretch/>
+        </p:blipFill>
+        <p:spPr>
+          <a:xfrm>
+            <a:off x="8072430" y="0"/>
+            <a:ext cx="1071570" cy="1000108"/>
+          </a:xfrm>
+          <a:prstGeom prst="rect">
+            <a:avLst/>
+          </a:prstGeom>
+          <a:noFill/>
+          <a:ln>
+            <a:noFill/>
+          </a:ln>
+        </p:spPr>
+      </p:pic>
+    </p:spTree>
+    <p:extLst>
+      <p:ext uri="{BB962C8B-B14F-4D97-AF65-F5344CB8AC3E}">
+        <p14:creationId xmlns:p14="http://schemas.microsoft.com/office/powerpoint/2010/main" val="3593113525"/>
+      </p:ext>
+    </p:extLst>
+  </p:cSld>
+  <p:clrMapOvr>
+    <a:masterClrMapping/>
+  </p:clrMapOvr>
+</p:sld>
+</file>
+
 <file path=ppt/slides/slide2.xml><?xml version="1.0" encoding="utf-8"?>
 <p:sld xmlns:a="http://schemas.openxmlformats.org/drawingml/2006/main" xmlns:r="http://schemas.openxmlformats.org/officeDocument/2006/relationships" xmlns:p="http://schemas.openxmlformats.org/presentationml/2006/main">
   <p:cSld>
@@ -14192,18 +14837,21 @@
               <a:buChar char="•"/>
             </a:pPr>
             <a:r>
-              <a:rPr lang="en-US" sz="2400">
+              <a:rPr lang="en-US" sz="2400" dirty="0">
                 <a:solidFill>
                   <a:schemeClr val="dk1"/>
                 </a:solidFill>
-                <a:latin typeface="Times New Roman"/>
+                <a:latin typeface="Times New Roman" panose="02020603050405020304" pitchFamily="18" charset="0"/>
                 <a:ea typeface="Times New Roman"/>
-                <a:cs typeface="Times New Roman"/>
+                <a:cs typeface="Times New Roman" panose="02020603050405020304" pitchFamily="18" charset="0"/>
                 <a:sym typeface="Times New Roman"/>
               </a:rPr>
               <a:t>Introduction</a:t>
             </a:r>
-            <a:endParaRPr/>
+            <a:endParaRPr dirty="0">
+              <a:latin typeface="Times New Roman" panose="02020603050405020304" pitchFamily="18" charset="0"/>
+              <a:cs typeface="Times New Roman" panose="02020603050405020304" pitchFamily="18" charset="0"/>
+            </a:endParaRPr>
           </a:p>
           <a:p>
             <a:pPr marL="0" lvl="0" indent="0" algn="l" rtl="0">
@@ -14224,21 +14872,21 @@
               <a:buChar char="•"/>
             </a:pPr>
             <a:r>
-              <a:rPr lang="en-US" sz="2400">
+              <a:rPr lang="en-US" sz="2400" dirty="0">
                 <a:solidFill>
                   <a:schemeClr val="dk1"/>
                 </a:solidFill>
-                <a:latin typeface="Times New Roman"/>
+                <a:latin typeface="Times New Roman" panose="02020603050405020304" pitchFamily="18" charset="0"/>
                 <a:ea typeface="Times New Roman"/>
-                <a:cs typeface="Times New Roman"/>
+                <a:cs typeface="Times New Roman" panose="02020603050405020304" pitchFamily="18" charset="0"/>
                 <a:sym typeface="Times New Roman"/>
               </a:rPr>
               <a:t>Abstract</a:t>
             </a:r>
-            <a:endParaRPr sz="2400">
-              <a:latin typeface="Times New Roman"/>
+            <a:endParaRPr sz="2400" dirty="0">
+              <a:latin typeface="Times New Roman" panose="02020603050405020304" pitchFamily="18" charset="0"/>
               <a:ea typeface="Times New Roman"/>
-              <a:cs typeface="Times New Roman"/>
+              <a:cs typeface="Times New Roman" panose="02020603050405020304" pitchFamily="18" charset="0"/>
               <a:sym typeface="Times New Roman"/>
             </a:endParaRPr>
           </a:p>
@@ -14261,21 +14909,21 @@
               <a:buChar char="•"/>
             </a:pPr>
             <a:r>
-              <a:rPr lang="en-US" sz="2400">
+              <a:rPr lang="en-US" sz="2400" dirty="0">
                 <a:solidFill>
                   <a:schemeClr val="dk1"/>
                 </a:solidFill>
-                <a:latin typeface="Times New Roman"/>
+                <a:latin typeface="Times New Roman" panose="02020603050405020304" pitchFamily="18" charset="0"/>
                 <a:ea typeface="Times New Roman"/>
-                <a:cs typeface="Times New Roman"/>
+                <a:cs typeface="Times New Roman" panose="02020603050405020304" pitchFamily="18" charset="0"/>
                 <a:sym typeface="Times New Roman"/>
               </a:rPr>
               <a:t> Problem statement </a:t>
             </a:r>
-            <a:endParaRPr sz="2400">
-              <a:latin typeface="Times New Roman"/>
+            <a:endParaRPr sz="2400" dirty="0">
+              <a:latin typeface="Times New Roman" panose="02020603050405020304" pitchFamily="18" charset="0"/>
               <a:ea typeface="Times New Roman"/>
-              <a:cs typeface="Times New Roman"/>
+              <a:cs typeface="Times New Roman" panose="02020603050405020304" pitchFamily="18" charset="0"/>
               <a:sym typeface="Times New Roman"/>
             </a:endParaRPr>
           </a:p>
@@ -14298,21 +14946,21 @@
               <a:buChar char="•"/>
             </a:pPr>
             <a:r>
-              <a:rPr lang="en-US" sz="2400">
+              <a:rPr lang="en-US" sz="2400" dirty="0">
                 <a:solidFill>
                   <a:schemeClr val="dk1"/>
                 </a:solidFill>
-                <a:latin typeface="Times New Roman"/>
+                <a:latin typeface="Times New Roman" panose="02020603050405020304" pitchFamily="18" charset="0"/>
                 <a:ea typeface="Times New Roman"/>
-                <a:cs typeface="Times New Roman"/>
+                <a:cs typeface="Times New Roman" panose="02020603050405020304" pitchFamily="18" charset="0"/>
                 <a:sym typeface="Times New Roman"/>
               </a:rPr>
               <a:t>Objective</a:t>
             </a:r>
-            <a:endParaRPr sz="2400">
-              <a:latin typeface="Times New Roman"/>
+            <a:endParaRPr sz="2400" dirty="0">
+              <a:latin typeface="Times New Roman" panose="02020603050405020304" pitchFamily="18" charset="0"/>
               <a:ea typeface="Times New Roman"/>
-              <a:cs typeface="Times New Roman"/>
+              <a:cs typeface="Times New Roman" panose="02020603050405020304" pitchFamily="18" charset="0"/>
               <a:sym typeface="Times New Roman"/>
             </a:endParaRPr>
           </a:p>
@@ -14335,21 +14983,21 @@
               <a:buChar char="•"/>
             </a:pPr>
             <a:r>
-              <a:rPr lang="en-US" sz="2400">
+              <a:rPr lang="en-US" sz="2400" dirty="0">
                 <a:solidFill>
                   <a:schemeClr val="dk1"/>
                 </a:solidFill>
-                <a:latin typeface="Times New Roman"/>
+                <a:latin typeface="Times New Roman" panose="02020603050405020304" pitchFamily="18" charset="0"/>
                 <a:ea typeface="Times New Roman"/>
-                <a:cs typeface="Times New Roman"/>
+                <a:cs typeface="Times New Roman" panose="02020603050405020304" pitchFamily="18" charset="0"/>
                 <a:sym typeface="Times New Roman"/>
               </a:rPr>
               <a:t>Methodology</a:t>
             </a:r>
-            <a:endParaRPr sz="2400">
-              <a:latin typeface="Times New Roman"/>
+            <a:endParaRPr sz="2400" dirty="0">
+              <a:latin typeface="Times New Roman" panose="02020603050405020304" pitchFamily="18" charset="0"/>
               <a:ea typeface="Times New Roman"/>
-              <a:cs typeface="Times New Roman"/>
+              <a:cs typeface="Times New Roman" panose="02020603050405020304" pitchFamily="18" charset="0"/>
               <a:sym typeface="Times New Roman"/>
             </a:endParaRPr>
           </a:p>
@@ -14371,18 +15019,21 @@
               <a:buNone/>
             </a:pPr>
             <a:r>
-              <a:rPr lang="en-US" sz="1800" b="1" i="0" u="none" strike="noStrike" cap="none">
+              <a:rPr lang="en-US" sz="1800" b="1" i="0" u="none" strike="noStrike" cap="none" dirty="0">
                 <a:solidFill>
                   <a:srgbClr val="953590"/>
                 </a:solidFill>
-                <a:latin typeface="Times New Roman"/>
+                <a:latin typeface="Times New Roman" panose="02020603050405020304" pitchFamily="18" charset="0"/>
                 <a:ea typeface="Times New Roman"/>
-                <a:cs typeface="Times New Roman"/>
+                <a:cs typeface="Times New Roman" panose="02020603050405020304" pitchFamily="18" charset="0"/>
                 <a:sym typeface="Times New Roman"/>
               </a:rPr>
               <a:t>						</a:t>
             </a:r>
-            <a:endParaRPr/>
+            <a:endParaRPr dirty="0">
+              <a:latin typeface="Times New Roman" panose="02020603050405020304" pitchFamily="18" charset="0"/>
+              <a:cs typeface="Times New Roman" panose="02020603050405020304" pitchFamily="18" charset="0"/>
+            </a:endParaRPr>
           </a:p>
         </p:txBody>
       </p:sp>
@@ -14541,7 +15192,7 @@
               <a:buNone/>
             </a:pPr>
             <a:r>
-              <a:rPr lang="en-US" sz="3200" b="1">
+              <a:rPr lang="en-US" sz="3200" b="1" dirty="0">
                 <a:solidFill>
                   <a:srgbClr val="31859B"/>
                 </a:solidFill>
@@ -14552,7 +15203,7 @@
               </a:rPr>
               <a:t>TABLE OF CONTENTS</a:t>
             </a:r>
-            <a:endParaRPr sz="3200" b="1">
+            <a:endParaRPr sz="3200" b="1" dirty="0">
               <a:solidFill>
                 <a:schemeClr val="dk1"/>
               </a:solidFill>
@@ -14813,7 +15464,11 @@
               <a:buNone/>
             </a:pPr>
             <a:r>
-              <a:rPr lang="en-US" sz="1800" dirty="0"/>
+              <a:rPr lang="en-US" sz="1800" dirty="0">
+                <a:latin typeface="Calibri" panose="020F0502020204030204" pitchFamily="34" charset="0"/>
+                <a:ea typeface="Calibri" panose="020F0502020204030204" pitchFamily="34" charset="0"/>
+                <a:cs typeface="Calibri" panose="020F0502020204030204" pitchFamily="34" charset="0"/>
+              </a:rPr>
               <a:t>The evolution of autonomous vehicles marks a transformative shift in modern transportation systems, aiming to enhance road safety, traffic efficiency, and passenger convenience. However, deploying such systems in real-world scenarios remains a formidable challenge due to the need for intelligent, adaptive, and robust decision-making capabilities. Achieving reliable navigation under dynamic traffic conditions requires more than just traditional path planning — it necessitates integration with advanced artificial intelligence techniques, reliable communication frameworks, and energy-aware sensor networks.</a:t>
             </a:r>
           </a:p>
@@ -14822,7 +15477,11 @@
               <a:buNone/>
             </a:pPr>
             <a:r>
-              <a:rPr lang="en-US" sz="1800" dirty="0"/>
+              <a:rPr lang="en-US" sz="1800" dirty="0">
+                <a:latin typeface="Calibri" panose="020F0502020204030204" pitchFamily="34" charset="0"/>
+                <a:ea typeface="Calibri" panose="020F0502020204030204" pitchFamily="34" charset="0"/>
+                <a:cs typeface="Calibri" panose="020F0502020204030204" pitchFamily="34" charset="0"/>
+              </a:rPr>
               <a:t>This project focuses on the development of a simulation-based framework that integrates multiple cutting-edge technologies to address these challenges. By combining Deep Reinforcement Learning (DRL), classical planning algorithms (A*, RRT*), Vehicle-to-Everything (V2X) communication protocols, and Wireless Sensor Network (WSN) optimization, the framework provides a holistic approach to adaptive path planning and cooperative autonomous driving. Simulation platforms such as CARLA, SUMO, and NS-3 are used to validate and demonstrate the effectiveness of this integrated system, ensuring scalability, responsiveness, and safety in highly dynamic environments.</a:t>
             </a:r>
           </a:p>
@@ -15107,7 +15766,7 @@
               <a:buNone/>
             </a:pPr>
             <a:r>
-              <a:rPr lang="en-US" sz="4000">
+              <a:rPr lang="en-US" sz="4000" dirty="0">
                 <a:solidFill>
                   <a:srgbClr val="31859B"/>
                 </a:solidFill>
@@ -15118,7 +15777,7 @@
               </a:rPr>
               <a:t>Introduction</a:t>
             </a:r>
-            <a:endParaRPr sz="1800">
+            <a:endParaRPr sz="1800" dirty="0">
               <a:solidFill>
                 <a:srgbClr val="31859B"/>
               </a:solidFill>
@@ -15219,134 +15878,6 @@
               </a:rPr>
             </a:br>
             <a:endParaRPr sz="1000"/>
-          </a:p>
-        </p:txBody>
-      </p:sp>
-      <p:sp>
-        <p:nvSpPr>
-          <p:cNvPr id="133" name="Google Shape;133;p4"/>
-          <p:cNvSpPr txBox="1">
-            <a:spLocks noGrp="1"/>
-          </p:cNvSpPr>
-          <p:nvPr>
-            <p:ph type="subTitle" idx="1"/>
-          </p:nvPr>
-        </p:nvSpPr>
-        <p:spPr>
-          <a:xfrm>
-            <a:off x="-219100" y="1142984"/>
-            <a:ext cx="9144000" cy="5157900"/>
-          </a:xfrm>
-          <a:prstGeom prst="rect">
-            <a:avLst/>
-          </a:prstGeom>
-          <a:noFill/>
-          <a:ln>
-            <a:noFill/>
-          </a:ln>
-        </p:spPr>
-        <p:txBody>
-          <a:bodyPr spcFirstLastPara="1" wrap="square" lIns="91425" tIns="45700" rIns="91425" bIns="45700" anchor="t" anchorCtr="0">
-            <a:noAutofit/>
-          </a:bodyPr>
-          <a:lstStyle/>
-          <a:p>
-            <a:pPr algn="just">
-              <a:buNone/>
-            </a:pPr>
-            <a:r>
-              <a:rPr lang="en-US" sz="1400" dirty="0">
-                <a:solidFill>
-                  <a:schemeClr val="tx1"/>
-                </a:solidFill>
-              </a:rPr>
-              <a:t>            The proposed system presents an advanced, integrated simulation framework aimed at tackling the multi-dimensional challenges faced in autonomous vehicle navigation and control. As self-driving systems become increasingly complex, the need for robust, intelligent, and adaptive path planning that can operate reliably in uncertain and dynamic environments has grown substantially. This framework leverages a hybrid approach by combining Deep Reinforcement Learning (DRL) for intelligent decision-making with traditional algorithms like A* and RRT* for deterministic baseline path generation.</a:t>
-            </a:r>
-          </a:p>
-          <a:p>
-            <a:pPr algn="just">
-              <a:buNone/>
-            </a:pPr>
-            <a:r>
-              <a:rPr lang="en-US" sz="1400" dirty="0">
-                <a:solidFill>
-                  <a:schemeClr val="tx1"/>
-                </a:solidFill>
-              </a:rPr>
-              <a:t>            To ensure seamless inter-vehicle communication, the system incorporates Vehicle-to-Everything (V2X) technologies enhanced with groupcasting and IR-HARQ protocols, improving message reliability under delay and packet loss conditions. Moreover, the integration of Wireless Sensor Network (WSN) optimization using Reinforcement Learning and MOISA (Multi-Objective Improved Seagull Algorithm) addresses the challenge of energy-efficient data aggregation, making the framework scalable and resource-conscious.</a:t>
-            </a:r>
-          </a:p>
-          <a:p>
-            <a:pPr algn="just">
-              <a:buNone/>
-            </a:pPr>
-            <a:r>
-              <a:rPr lang="en-US" sz="1400" dirty="0">
-                <a:solidFill>
-                  <a:schemeClr val="tx1"/>
-                </a:solidFill>
-              </a:rPr>
-              <a:t>             Simulations are carried out using high-fidelity platforms such as </a:t>
-            </a:r>
-            <a:r>
-              <a:rPr lang="en-US" sz="1400" b="1" dirty="0">
-                <a:solidFill>
-                  <a:schemeClr val="tx1"/>
-                </a:solidFill>
-              </a:rPr>
-              <a:t>CARLA</a:t>
-            </a:r>
-            <a:r>
-              <a:rPr lang="en-US" sz="1400" dirty="0">
-                <a:solidFill>
-                  <a:schemeClr val="tx1"/>
-                </a:solidFill>
-              </a:rPr>
-              <a:t> and </a:t>
-            </a:r>
-            <a:r>
-              <a:rPr lang="en-US" sz="1400" b="1" dirty="0">
-                <a:solidFill>
-                  <a:schemeClr val="tx1"/>
-                </a:solidFill>
-              </a:rPr>
-              <a:t>SUMO</a:t>
-            </a:r>
-            <a:r>
-              <a:rPr lang="en-US" sz="1400" dirty="0">
-                <a:solidFill>
-                  <a:schemeClr val="tx1"/>
-                </a:solidFill>
-              </a:rPr>
-              <a:t>, allowing for realistic urban driving environments and detailed traffic behavior modeling. The system also includes comfort-aware modules based on Full Velocity Difference (FVD) models and employs formal verification through Signal Temporal Logic (STL) to enforce safety constraints and behavioral correctness at runtime.</a:t>
-            </a:r>
-          </a:p>
-          <a:p>
-            <a:pPr algn="just"/>
-            <a:r>
-              <a:rPr lang="en-US" sz="1400" dirty="0">
-                <a:solidFill>
-                  <a:schemeClr val="tx1"/>
-                </a:solidFill>
-              </a:rPr>
-              <a:t>             By fusing learning-based strategies, classical optimization techniques, network-aware communication, and formal methods, this project aims to deliver a comprehensive, modular platform for simulating and validating autonomous driving behaviors. The ultimate goal is to bridge the gap between theoretical models and real-world </a:t>
-            </a:r>
-            <a:r>
-              <a:rPr lang="en-US" sz="1400" dirty="0" err="1">
-                <a:solidFill>
-                  <a:schemeClr val="tx1"/>
-                </a:solidFill>
-              </a:rPr>
-              <a:t>deployability</a:t>
-            </a:r>
-            <a:r>
-              <a:rPr lang="en-US" sz="1400" dirty="0">
-                <a:solidFill>
-                  <a:schemeClr val="tx1"/>
-                </a:solidFill>
-              </a:rPr>
-              <a:t> by ensuring adaptive performance, explainability, and operational safety in mixed-traffic, sensor-constrained, and unpredictable driving scenarios.</a:t>
-            </a:r>
           </a:p>
         </p:txBody>
       </p:sp>
@@ -15652,6 +16183,862 @@
           </a:p>
         </p:txBody>
       </p:sp>
+      <p:sp>
+        <p:nvSpPr>
+          <p:cNvPr id="3" name="Subtitle 2">
+            <a:extLst>
+              <a:ext uri="{FF2B5EF4-FFF2-40B4-BE49-F238E27FC236}">
+                <a16:creationId xmlns:a16="http://schemas.microsoft.com/office/drawing/2014/main" id="{794BA625-BA27-54EF-473F-7B30BDFE1453}"/>
+              </a:ext>
+            </a:extLst>
+          </p:cNvPr>
+          <p:cNvSpPr>
+            <a:spLocks noGrp="1" noChangeArrowheads="1"/>
+          </p:cNvSpPr>
+          <p:nvPr>
+            <p:ph type="subTitle" idx="1"/>
+          </p:nvPr>
+        </p:nvSpPr>
+        <p:spPr bwMode="auto">
+          <a:xfrm>
+            <a:off x="0" y="1367995"/>
+            <a:ext cx="9144000" cy="4524315"/>
+          </a:xfrm>
+          <a:prstGeom prst="rect">
+            <a:avLst/>
+          </a:prstGeom>
+          <a:noFill/>
+          <a:ln>
+            <a:noFill/>
+          </a:ln>
+          <a:effectLst/>
+          <a:extLst>
+            <a:ext uri="{909E8E84-426E-40DD-AFC4-6F175D3DCCD1}">
+              <a14:hiddenFill xmlns:a14="http://schemas.microsoft.com/office/drawing/2010/main">
+                <a:solidFill>
+                  <a:schemeClr val="accent1"/>
+                </a:solidFill>
+              </a14:hiddenFill>
+            </a:ext>
+            <a:ext uri="{91240B29-F687-4F45-9708-019B960494DF}">
+              <a14:hiddenLine xmlns:a14="http://schemas.microsoft.com/office/drawing/2010/main" w="9525">
+                <a:solidFill>
+                  <a:schemeClr val="tx1"/>
+                </a:solidFill>
+                <a:miter lim="800000"/>
+                <a:headEnd/>
+                <a:tailEnd/>
+              </a14:hiddenLine>
+            </a:ext>
+            <a:ext uri="{AF507438-7753-43E0-B8FC-AC1667EBCBE1}">
+              <a14:hiddenEffects xmlns:a14="http://schemas.microsoft.com/office/drawing/2010/main">
+                <a:effectLst>
+                  <a:outerShdw dist="35921" dir="2700000" algn="ctr" rotWithShape="0">
+                    <a:schemeClr val="bg2"/>
+                  </a:outerShdw>
+                </a:effectLst>
+              </a14:hiddenEffects>
+            </a:ext>
+          </a:extLst>
+        </p:spPr>
+        <p:txBody>
+          <a:bodyPr vert="horz" wrap="square" lIns="91440" tIns="45720" rIns="91440" bIns="45720" numCol="1" anchor="ctr" anchorCtr="0" compatLnSpc="1">
+            <a:prstTxWarp prst="textNoShape">
+              <a:avLst/>
+            </a:prstTxWarp>
+            <a:spAutoFit/>
+          </a:bodyPr>
+          <a:lstStyle/>
+          <a:p>
+            <a:pPr marL="0" marR="0" lvl="0" indent="0" algn="just" defTabSz="914400" rtl="0" eaLnBrk="0" fontAlgn="base" latinLnBrk="0" hangingPunct="0">
+              <a:lnSpc>
+                <a:spcPct val="100000"/>
+              </a:lnSpc>
+              <a:spcBef>
+                <a:spcPct val="0"/>
+              </a:spcBef>
+              <a:spcAft>
+                <a:spcPct val="0"/>
+              </a:spcAft>
+              <a:buClrTx/>
+              <a:buSzTx/>
+              <a:buFontTx/>
+              <a:buChar char="•"/>
+              <a:tabLst/>
+            </a:pPr>
+            <a:r>
+              <a:rPr kumimoji="0" lang="en-US" altLang="en-US" sz="1800" b="0" i="0" u="none" strike="noStrike" cap="none" normalizeH="0" baseline="0" dirty="0">
+                <a:ln>
+                  <a:noFill/>
+                </a:ln>
+                <a:solidFill>
+                  <a:schemeClr val="tx1"/>
+                </a:solidFill>
+                <a:effectLst/>
+                <a:latin typeface="Times New Roman" panose="02020603050405020304" pitchFamily="18" charset="0"/>
+                <a:cs typeface="Times New Roman" panose="02020603050405020304" pitchFamily="18" charset="0"/>
+              </a:rPr>
+              <a:t>This project presents a </a:t>
+            </a:r>
+            <a:r>
+              <a:rPr kumimoji="0" lang="en-US" altLang="en-US" sz="1800" b="1" i="0" u="none" strike="noStrike" cap="none" normalizeH="0" baseline="0" dirty="0">
+                <a:ln>
+                  <a:noFill/>
+                </a:ln>
+                <a:solidFill>
+                  <a:schemeClr val="tx1"/>
+                </a:solidFill>
+                <a:effectLst/>
+                <a:latin typeface="Times New Roman" panose="02020603050405020304" pitchFamily="18" charset="0"/>
+                <a:cs typeface="Times New Roman" panose="02020603050405020304" pitchFamily="18" charset="0"/>
+              </a:rPr>
+              <a:t>simulation framework</a:t>
+            </a:r>
+            <a:r>
+              <a:rPr kumimoji="0" lang="en-US" altLang="en-US" sz="1800" b="0" i="0" u="none" strike="noStrike" cap="none" normalizeH="0" baseline="0" dirty="0">
+                <a:ln>
+                  <a:noFill/>
+                </a:ln>
+                <a:solidFill>
+                  <a:schemeClr val="tx1"/>
+                </a:solidFill>
+                <a:effectLst/>
+                <a:latin typeface="Times New Roman" panose="02020603050405020304" pitchFamily="18" charset="0"/>
+                <a:cs typeface="Times New Roman" panose="02020603050405020304" pitchFamily="18" charset="0"/>
+              </a:rPr>
+              <a:t> for addressing key challenges in autonomous vehicle navigation, including path planning, </a:t>
+            </a:r>
+          </a:p>
+          <a:p>
+            <a:pPr marL="0" marR="0" lvl="0" indent="0" algn="just" defTabSz="914400" rtl="0" eaLnBrk="0" fontAlgn="base" latinLnBrk="0" hangingPunct="0">
+              <a:lnSpc>
+                <a:spcPct val="100000"/>
+              </a:lnSpc>
+              <a:spcBef>
+                <a:spcPct val="0"/>
+              </a:spcBef>
+              <a:spcAft>
+                <a:spcPct val="0"/>
+              </a:spcAft>
+              <a:buClrTx/>
+              <a:buSzTx/>
+              <a:tabLst/>
+            </a:pPr>
+            <a:r>
+              <a:rPr kumimoji="0" lang="en-US" altLang="en-US" sz="1800" b="0" i="0" u="none" strike="noStrike" cap="none" normalizeH="0" baseline="0" dirty="0">
+                <a:ln>
+                  <a:noFill/>
+                </a:ln>
+                <a:solidFill>
+                  <a:schemeClr val="tx1"/>
+                </a:solidFill>
+                <a:effectLst/>
+                <a:latin typeface="Times New Roman" panose="02020603050405020304" pitchFamily="18" charset="0"/>
+                <a:cs typeface="Times New Roman" panose="02020603050405020304" pitchFamily="18" charset="0"/>
+              </a:rPr>
+              <a:t>communication, and energy efficiency.</a:t>
+            </a:r>
+          </a:p>
+          <a:p>
+            <a:pPr marL="0" marR="0" lvl="0" indent="0" algn="just" defTabSz="914400" rtl="0" eaLnBrk="0" fontAlgn="base" latinLnBrk="0" hangingPunct="0">
+              <a:lnSpc>
+                <a:spcPct val="100000"/>
+              </a:lnSpc>
+              <a:spcBef>
+                <a:spcPct val="0"/>
+              </a:spcBef>
+              <a:spcAft>
+                <a:spcPct val="0"/>
+              </a:spcAft>
+              <a:buClrTx/>
+              <a:buSzTx/>
+              <a:buFontTx/>
+              <a:buChar char="•"/>
+              <a:tabLst/>
+            </a:pPr>
+            <a:r>
+              <a:rPr kumimoji="0" lang="en-US" altLang="en-US" sz="1800" b="0" i="0" u="none" strike="noStrike" cap="none" normalizeH="0" baseline="0" dirty="0">
+                <a:ln>
+                  <a:noFill/>
+                </a:ln>
+                <a:solidFill>
+                  <a:schemeClr val="tx1"/>
+                </a:solidFill>
+                <a:effectLst/>
+                <a:latin typeface="Times New Roman" panose="02020603050405020304" pitchFamily="18" charset="0"/>
+                <a:cs typeface="Times New Roman" panose="02020603050405020304" pitchFamily="18" charset="0"/>
+              </a:rPr>
+              <a:t>Combines </a:t>
+            </a:r>
+            <a:r>
+              <a:rPr kumimoji="0" lang="en-US" altLang="en-US" sz="1800" b="1" i="0" u="none" strike="noStrike" cap="none" normalizeH="0" baseline="0" dirty="0">
+                <a:ln>
+                  <a:noFill/>
+                </a:ln>
+                <a:solidFill>
+                  <a:schemeClr val="tx1"/>
+                </a:solidFill>
+                <a:effectLst/>
+                <a:latin typeface="Times New Roman" panose="02020603050405020304" pitchFamily="18" charset="0"/>
+                <a:cs typeface="Times New Roman" panose="02020603050405020304" pitchFamily="18" charset="0"/>
+              </a:rPr>
+              <a:t>Deep Reinforcement Learning (DRL)</a:t>
+            </a:r>
+            <a:r>
+              <a:rPr kumimoji="0" lang="en-US" altLang="en-US" sz="1800" b="0" i="0" u="none" strike="noStrike" cap="none" normalizeH="0" baseline="0" dirty="0">
+                <a:ln>
+                  <a:noFill/>
+                </a:ln>
+                <a:solidFill>
+                  <a:schemeClr val="tx1"/>
+                </a:solidFill>
+                <a:effectLst/>
+                <a:latin typeface="Times New Roman" panose="02020603050405020304" pitchFamily="18" charset="0"/>
+                <a:cs typeface="Times New Roman" panose="02020603050405020304" pitchFamily="18" charset="0"/>
+              </a:rPr>
+              <a:t> with </a:t>
+            </a:r>
+            <a:r>
+              <a:rPr kumimoji="0" lang="en-US" altLang="en-US" sz="1800" b="1" i="0" u="none" strike="noStrike" cap="none" normalizeH="0" baseline="0" dirty="0">
+                <a:ln>
+                  <a:noFill/>
+                </a:ln>
+                <a:solidFill>
+                  <a:schemeClr val="tx1"/>
+                </a:solidFill>
+                <a:effectLst/>
+                <a:latin typeface="Times New Roman" panose="02020603050405020304" pitchFamily="18" charset="0"/>
+                <a:cs typeface="Times New Roman" panose="02020603050405020304" pitchFamily="18" charset="0"/>
+              </a:rPr>
+              <a:t>A*</a:t>
+            </a:r>
+            <a:r>
+              <a:rPr kumimoji="0" lang="en-US" altLang="en-US" sz="1800" b="0" i="0" u="none" strike="noStrike" cap="none" normalizeH="0" baseline="0" dirty="0">
+                <a:ln>
+                  <a:noFill/>
+                </a:ln>
+                <a:solidFill>
+                  <a:schemeClr val="tx1"/>
+                </a:solidFill>
+                <a:effectLst/>
+                <a:latin typeface="Times New Roman" panose="02020603050405020304" pitchFamily="18" charset="0"/>
+                <a:cs typeface="Times New Roman" panose="02020603050405020304" pitchFamily="18" charset="0"/>
+              </a:rPr>
+              <a:t> and </a:t>
+            </a:r>
+            <a:r>
+              <a:rPr kumimoji="0" lang="en-US" altLang="en-US" sz="1800" b="1" i="0" u="none" strike="noStrike" cap="none" normalizeH="0" baseline="0" dirty="0">
+                <a:ln>
+                  <a:noFill/>
+                </a:ln>
+                <a:solidFill>
+                  <a:schemeClr val="tx1"/>
+                </a:solidFill>
+                <a:effectLst/>
+                <a:latin typeface="Times New Roman" panose="02020603050405020304" pitchFamily="18" charset="0"/>
+                <a:cs typeface="Times New Roman" panose="02020603050405020304" pitchFamily="18" charset="0"/>
+              </a:rPr>
+              <a:t>RRT*</a:t>
+            </a:r>
+            <a:r>
+              <a:rPr kumimoji="0" lang="en-US" altLang="en-US" sz="1800" b="0" i="0" u="none" strike="noStrike" cap="none" normalizeH="0" baseline="0" dirty="0">
+                <a:ln>
+                  <a:noFill/>
+                </a:ln>
+                <a:solidFill>
+                  <a:schemeClr val="tx1"/>
+                </a:solidFill>
+                <a:effectLst/>
+                <a:latin typeface="Times New Roman" panose="02020603050405020304" pitchFamily="18" charset="0"/>
+                <a:cs typeface="Times New Roman" panose="02020603050405020304" pitchFamily="18" charset="0"/>
+              </a:rPr>
+              <a:t> for adaptive and deterministic path planning.</a:t>
+            </a:r>
+          </a:p>
+          <a:p>
+            <a:pPr marL="0" marR="0" lvl="0" indent="0" algn="just" defTabSz="914400" rtl="0" eaLnBrk="0" fontAlgn="base" latinLnBrk="0" hangingPunct="0">
+              <a:lnSpc>
+                <a:spcPct val="100000"/>
+              </a:lnSpc>
+              <a:spcBef>
+                <a:spcPct val="0"/>
+              </a:spcBef>
+              <a:spcAft>
+                <a:spcPct val="0"/>
+              </a:spcAft>
+              <a:buClrTx/>
+              <a:buSzTx/>
+              <a:buFontTx/>
+              <a:buChar char="•"/>
+              <a:tabLst/>
+            </a:pPr>
+            <a:r>
+              <a:rPr kumimoji="0" lang="en-US" altLang="en-US" sz="1800" b="0" i="0" u="none" strike="noStrike" cap="none" normalizeH="0" baseline="0" dirty="0">
+                <a:ln>
+                  <a:noFill/>
+                </a:ln>
+                <a:solidFill>
+                  <a:schemeClr val="tx1"/>
+                </a:solidFill>
+                <a:effectLst/>
+                <a:latin typeface="Times New Roman" panose="02020603050405020304" pitchFamily="18" charset="0"/>
+                <a:cs typeface="Times New Roman" panose="02020603050405020304" pitchFamily="18" charset="0"/>
+              </a:rPr>
+              <a:t>Integrates </a:t>
+            </a:r>
+            <a:r>
+              <a:rPr kumimoji="0" lang="en-US" altLang="en-US" sz="1800" b="1" i="0" u="none" strike="noStrike" cap="none" normalizeH="0" baseline="0" dirty="0">
+                <a:ln>
+                  <a:noFill/>
+                </a:ln>
+                <a:solidFill>
+                  <a:schemeClr val="tx1"/>
+                </a:solidFill>
+                <a:effectLst/>
+                <a:latin typeface="Times New Roman" panose="02020603050405020304" pitchFamily="18" charset="0"/>
+                <a:cs typeface="Times New Roman" panose="02020603050405020304" pitchFamily="18" charset="0"/>
+              </a:rPr>
+              <a:t>5G-based V2X communication</a:t>
+            </a:r>
+            <a:r>
+              <a:rPr kumimoji="0" lang="en-US" altLang="en-US" sz="1800" b="0" i="0" u="none" strike="noStrike" cap="none" normalizeH="0" baseline="0" dirty="0">
+                <a:ln>
+                  <a:noFill/>
+                </a:ln>
+                <a:solidFill>
+                  <a:schemeClr val="tx1"/>
+                </a:solidFill>
+                <a:effectLst/>
+                <a:latin typeface="Times New Roman" panose="02020603050405020304" pitchFamily="18" charset="0"/>
+                <a:cs typeface="Times New Roman" panose="02020603050405020304" pitchFamily="18" charset="0"/>
+              </a:rPr>
+              <a:t> using </a:t>
+            </a:r>
+            <a:r>
+              <a:rPr kumimoji="0" lang="en-US" altLang="en-US" sz="1800" b="1" i="0" u="none" strike="noStrike" cap="none" normalizeH="0" baseline="0" dirty="0">
+                <a:ln>
+                  <a:noFill/>
+                </a:ln>
+                <a:solidFill>
+                  <a:schemeClr val="tx1"/>
+                </a:solidFill>
+                <a:effectLst/>
+                <a:latin typeface="Times New Roman" panose="02020603050405020304" pitchFamily="18" charset="0"/>
+                <a:cs typeface="Times New Roman" panose="02020603050405020304" pitchFamily="18" charset="0"/>
+              </a:rPr>
+              <a:t>groupcasting</a:t>
+            </a:r>
+            <a:r>
+              <a:rPr kumimoji="0" lang="en-US" altLang="en-US" sz="1800" b="0" i="0" u="none" strike="noStrike" cap="none" normalizeH="0" baseline="0" dirty="0">
+                <a:ln>
+                  <a:noFill/>
+                </a:ln>
+                <a:solidFill>
+                  <a:schemeClr val="tx1"/>
+                </a:solidFill>
+                <a:effectLst/>
+                <a:latin typeface="Times New Roman" panose="02020603050405020304" pitchFamily="18" charset="0"/>
+                <a:cs typeface="Times New Roman" panose="02020603050405020304" pitchFamily="18" charset="0"/>
+              </a:rPr>
+              <a:t> and </a:t>
+            </a:r>
+            <a:r>
+              <a:rPr kumimoji="0" lang="en-US" altLang="en-US" sz="1800" b="1" i="0" u="none" strike="noStrike" cap="none" normalizeH="0" baseline="0" dirty="0">
+                <a:ln>
+                  <a:noFill/>
+                </a:ln>
+                <a:solidFill>
+                  <a:schemeClr val="tx1"/>
+                </a:solidFill>
+                <a:effectLst/>
+                <a:latin typeface="Times New Roman" panose="02020603050405020304" pitchFamily="18" charset="0"/>
+                <a:cs typeface="Times New Roman" panose="02020603050405020304" pitchFamily="18" charset="0"/>
+              </a:rPr>
+              <a:t>IR-HARQ</a:t>
+            </a:r>
+            <a:r>
+              <a:rPr kumimoji="0" lang="en-US" altLang="en-US" sz="1800" b="0" i="0" u="none" strike="noStrike" cap="none" normalizeH="0" baseline="0" dirty="0">
+                <a:ln>
+                  <a:noFill/>
+                </a:ln>
+                <a:solidFill>
+                  <a:schemeClr val="tx1"/>
+                </a:solidFill>
+                <a:effectLst/>
+                <a:latin typeface="Times New Roman" panose="02020603050405020304" pitchFamily="18" charset="0"/>
+                <a:cs typeface="Times New Roman" panose="02020603050405020304" pitchFamily="18" charset="0"/>
+              </a:rPr>
+              <a:t> to enhance message reliability under delay and packet loss.</a:t>
+            </a:r>
+          </a:p>
+          <a:p>
+            <a:pPr marL="0" marR="0" lvl="0" indent="0" algn="just" defTabSz="914400" rtl="0" eaLnBrk="0" fontAlgn="base" latinLnBrk="0" hangingPunct="0">
+              <a:lnSpc>
+                <a:spcPct val="100000"/>
+              </a:lnSpc>
+              <a:spcBef>
+                <a:spcPct val="0"/>
+              </a:spcBef>
+              <a:spcAft>
+                <a:spcPct val="0"/>
+              </a:spcAft>
+              <a:buClrTx/>
+              <a:buSzTx/>
+              <a:buFontTx/>
+              <a:buChar char="•"/>
+              <a:tabLst/>
+            </a:pPr>
+            <a:r>
+              <a:rPr kumimoji="0" lang="en-US" altLang="en-US" sz="1800" b="0" i="0" u="none" strike="noStrike" cap="none" normalizeH="0" baseline="0" dirty="0">
+                <a:ln>
+                  <a:noFill/>
+                </a:ln>
+                <a:solidFill>
+                  <a:schemeClr val="tx1"/>
+                </a:solidFill>
+                <a:effectLst/>
+                <a:latin typeface="Times New Roman" panose="02020603050405020304" pitchFamily="18" charset="0"/>
+                <a:cs typeface="Times New Roman" panose="02020603050405020304" pitchFamily="18" charset="0"/>
+              </a:rPr>
+              <a:t>Optimizes </a:t>
+            </a:r>
+            <a:r>
+              <a:rPr kumimoji="0" lang="en-US" altLang="en-US" sz="1800" b="1" i="0" u="none" strike="noStrike" cap="none" normalizeH="0" baseline="0" dirty="0">
+                <a:ln>
+                  <a:noFill/>
+                </a:ln>
+                <a:solidFill>
+                  <a:schemeClr val="tx1"/>
+                </a:solidFill>
+                <a:effectLst/>
+                <a:latin typeface="Times New Roman" panose="02020603050405020304" pitchFamily="18" charset="0"/>
+                <a:cs typeface="Times New Roman" panose="02020603050405020304" pitchFamily="18" charset="0"/>
+              </a:rPr>
+              <a:t>Wireless Sensor Networks (WSNs)</a:t>
+            </a:r>
+            <a:r>
+              <a:rPr kumimoji="0" lang="en-US" altLang="en-US" sz="1800" b="0" i="0" u="none" strike="noStrike" cap="none" normalizeH="0" baseline="0" dirty="0">
+                <a:ln>
+                  <a:noFill/>
+                </a:ln>
+                <a:solidFill>
+                  <a:schemeClr val="tx1"/>
+                </a:solidFill>
+                <a:effectLst/>
+                <a:latin typeface="Times New Roman" panose="02020603050405020304" pitchFamily="18" charset="0"/>
+                <a:cs typeface="Times New Roman" panose="02020603050405020304" pitchFamily="18" charset="0"/>
+              </a:rPr>
+              <a:t> with </a:t>
+            </a:r>
+            <a:r>
+              <a:rPr kumimoji="0" lang="en-US" altLang="en-US" sz="1800" b="1" i="0" u="none" strike="noStrike" cap="none" normalizeH="0" baseline="0" dirty="0">
+                <a:ln>
+                  <a:noFill/>
+                </a:ln>
+                <a:solidFill>
+                  <a:schemeClr val="tx1"/>
+                </a:solidFill>
+                <a:effectLst/>
+                <a:latin typeface="Times New Roman" panose="02020603050405020304" pitchFamily="18" charset="0"/>
+                <a:cs typeface="Times New Roman" panose="02020603050405020304" pitchFamily="18" charset="0"/>
+              </a:rPr>
+              <a:t>Reinforcement Learning</a:t>
+            </a:r>
+            <a:r>
+              <a:rPr kumimoji="0" lang="en-US" altLang="en-US" sz="1800" b="0" i="0" u="none" strike="noStrike" cap="none" normalizeH="0" baseline="0" dirty="0">
+                <a:ln>
+                  <a:noFill/>
+                </a:ln>
+                <a:solidFill>
+                  <a:schemeClr val="tx1"/>
+                </a:solidFill>
+                <a:effectLst/>
+                <a:latin typeface="Times New Roman" panose="02020603050405020304" pitchFamily="18" charset="0"/>
+                <a:cs typeface="Times New Roman" panose="02020603050405020304" pitchFamily="18" charset="0"/>
+              </a:rPr>
+              <a:t> and </a:t>
+            </a:r>
+            <a:r>
+              <a:rPr kumimoji="0" lang="en-US" altLang="en-US" sz="1800" b="1" i="0" u="none" strike="noStrike" cap="none" normalizeH="0" baseline="0" dirty="0">
+                <a:ln>
+                  <a:noFill/>
+                </a:ln>
+                <a:solidFill>
+                  <a:schemeClr val="tx1"/>
+                </a:solidFill>
+                <a:effectLst/>
+                <a:latin typeface="Times New Roman" panose="02020603050405020304" pitchFamily="18" charset="0"/>
+                <a:cs typeface="Times New Roman" panose="02020603050405020304" pitchFamily="18" charset="0"/>
+              </a:rPr>
+              <a:t>MOISA(</a:t>
+            </a:r>
+            <a:r>
+              <a:rPr lang="en-IN" sz="1800" b="1" i="1" dirty="0">
+                <a:solidFill>
+                  <a:schemeClr val="tx1"/>
+                </a:solidFill>
+                <a:latin typeface="Times New Roman" panose="02020603050405020304" pitchFamily="18" charset="0"/>
+                <a:cs typeface="Times New Roman" panose="02020603050405020304" pitchFamily="18" charset="0"/>
+              </a:rPr>
+              <a:t>Multi-Objective Improved Seagull Algorithm</a:t>
+            </a:r>
+            <a:r>
+              <a:rPr kumimoji="0" lang="en-US" altLang="en-US" sz="1800" b="1" i="0" u="none" strike="noStrike" cap="none" normalizeH="0" baseline="0" dirty="0">
+                <a:ln>
+                  <a:noFill/>
+                </a:ln>
+                <a:solidFill>
+                  <a:schemeClr val="tx1"/>
+                </a:solidFill>
+                <a:effectLst/>
+                <a:latin typeface="Times New Roman" panose="02020603050405020304" pitchFamily="18" charset="0"/>
+                <a:cs typeface="Times New Roman" panose="02020603050405020304" pitchFamily="18" charset="0"/>
+              </a:rPr>
+              <a:t>)</a:t>
+            </a:r>
+            <a:r>
+              <a:rPr kumimoji="0" lang="en-US" altLang="en-US" sz="1800" b="0" i="0" u="none" strike="noStrike" cap="none" normalizeH="0" baseline="0" dirty="0">
+                <a:ln>
+                  <a:noFill/>
+                </a:ln>
+                <a:solidFill>
+                  <a:schemeClr val="tx1"/>
+                </a:solidFill>
+                <a:effectLst/>
+                <a:latin typeface="Times New Roman" panose="02020603050405020304" pitchFamily="18" charset="0"/>
+                <a:cs typeface="Times New Roman" panose="02020603050405020304" pitchFamily="18" charset="0"/>
+              </a:rPr>
+              <a:t> for energy-efficient clustering and routing.</a:t>
+            </a:r>
+          </a:p>
+          <a:p>
+            <a:pPr marL="0" marR="0" lvl="0" indent="0" algn="just" defTabSz="914400" rtl="0" eaLnBrk="0" fontAlgn="base" latinLnBrk="0" hangingPunct="0">
+              <a:lnSpc>
+                <a:spcPct val="100000"/>
+              </a:lnSpc>
+              <a:spcBef>
+                <a:spcPct val="0"/>
+              </a:spcBef>
+              <a:spcAft>
+                <a:spcPct val="0"/>
+              </a:spcAft>
+              <a:buClrTx/>
+              <a:buSzTx/>
+              <a:buFontTx/>
+              <a:buChar char="•"/>
+              <a:tabLst/>
+            </a:pPr>
+            <a:r>
+              <a:rPr kumimoji="0" lang="en-US" altLang="en-US" sz="1800" b="0" i="0" u="none" strike="noStrike" cap="none" normalizeH="0" baseline="0" dirty="0">
+                <a:ln>
+                  <a:noFill/>
+                </a:ln>
+                <a:solidFill>
+                  <a:schemeClr val="tx1"/>
+                </a:solidFill>
+                <a:effectLst/>
+                <a:latin typeface="Times New Roman" panose="02020603050405020304" pitchFamily="18" charset="0"/>
+                <a:cs typeface="Times New Roman" panose="02020603050405020304" pitchFamily="18" charset="0"/>
+              </a:rPr>
+              <a:t>Uses </a:t>
+            </a:r>
+            <a:r>
+              <a:rPr kumimoji="0" lang="en-US" altLang="en-US" sz="1800" b="1" i="0" u="none" strike="noStrike" cap="none" normalizeH="0" baseline="0" dirty="0">
+                <a:ln>
+                  <a:noFill/>
+                </a:ln>
+                <a:solidFill>
+                  <a:schemeClr val="tx1"/>
+                </a:solidFill>
+                <a:effectLst/>
+                <a:latin typeface="Times New Roman" panose="02020603050405020304" pitchFamily="18" charset="0"/>
+                <a:cs typeface="Times New Roman" panose="02020603050405020304" pitchFamily="18" charset="0"/>
+              </a:rPr>
+              <a:t>CARLA(</a:t>
+            </a:r>
+            <a:r>
+              <a:rPr lang="en-IN" sz="1800" b="1" i="1" dirty="0">
+                <a:solidFill>
+                  <a:schemeClr val="tx1"/>
+                </a:solidFill>
+                <a:latin typeface="Times New Roman" panose="02020603050405020304" pitchFamily="18" charset="0"/>
+                <a:cs typeface="Times New Roman" panose="02020603050405020304" pitchFamily="18" charset="0"/>
+              </a:rPr>
+              <a:t>CAR Learning to Act</a:t>
+            </a:r>
+            <a:r>
+              <a:rPr kumimoji="0" lang="en-US" altLang="en-US" sz="1800" b="1" i="0" u="none" strike="noStrike" cap="none" normalizeH="0" baseline="0" dirty="0">
+                <a:ln>
+                  <a:noFill/>
+                </a:ln>
+                <a:solidFill>
+                  <a:schemeClr val="tx1"/>
+                </a:solidFill>
+                <a:effectLst/>
+                <a:latin typeface="Times New Roman" panose="02020603050405020304" pitchFamily="18" charset="0"/>
+                <a:cs typeface="Times New Roman" panose="02020603050405020304" pitchFamily="18" charset="0"/>
+              </a:rPr>
+              <a:t>)</a:t>
+            </a:r>
+            <a:r>
+              <a:rPr kumimoji="0" lang="en-US" altLang="en-US" sz="1800" b="0" i="0" u="none" strike="noStrike" cap="none" normalizeH="0" baseline="0" dirty="0">
+                <a:ln>
+                  <a:noFill/>
+                </a:ln>
+                <a:solidFill>
+                  <a:schemeClr val="tx1"/>
+                </a:solidFill>
+                <a:effectLst/>
+                <a:latin typeface="Times New Roman" panose="02020603050405020304" pitchFamily="18" charset="0"/>
+                <a:cs typeface="Times New Roman" panose="02020603050405020304" pitchFamily="18" charset="0"/>
+              </a:rPr>
+              <a:t> and </a:t>
+            </a:r>
+            <a:r>
+              <a:rPr kumimoji="0" lang="en-US" altLang="en-US" sz="1800" b="1" i="0" u="none" strike="noStrike" cap="none" normalizeH="0" baseline="0" dirty="0">
+                <a:ln>
+                  <a:noFill/>
+                </a:ln>
+                <a:solidFill>
+                  <a:schemeClr val="tx1"/>
+                </a:solidFill>
+                <a:effectLst/>
+                <a:latin typeface="Times New Roman" panose="02020603050405020304" pitchFamily="18" charset="0"/>
+                <a:cs typeface="Times New Roman" panose="02020603050405020304" pitchFamily="18" charset="0"/>
+              </a:rPr>
+              <a:t>SUMO(</a:t>
+            </a:r>
+            <a:r>
+              <a:rPr lang="en-IN" sz="1800" b="1" i="1" dirty="0">
+                <a:solidFill>
+                  <a:schemeClr val="tx1"/>
+                </a:solidFill>
+                <a:latin typeface="Times New Roman" panose="02020603050405020304" pitchFamily="18" charset="0"/>
+                <a:cs typeface="Times New Roman" panose="02020603050405020304" pitchFamily="18" charset="0"/>
+              </a:rPr>
+              <a:t>Simulation of Urban </a:t>
+            </a:r>
+            <a:r>
+              <a:rPr lang="en-IN" sz="1800" b="1" i="1" dirty="0" err="1">
+                <a:solidFill>
+                  <a:schemeClr val="tx1"/>
+                </a:solidFill>
+                <a:latin typeface="Times New Roman" panose="02020603050405020304" pitchFamily="18" charset="0"/>
+                <a:cs typeface="Times New Roman" panose="02020603050405020304" pitchFamily="18" charset="0"/>
+              </a:rPr>
+              <a:t>MObility</a:t>
+            </a:r>
+            <a:r>
+              <a:rPr kumimoji="0" lang="en-US" altLang="en-US" sz="1800" b="1" i="0" u="none" strike="noStrike" cap="none" normalizeH="0" baseline="0" dirty="0">
+                <a:ln>
+                  <a:noFill/>
+                </a:ln>
+                <a:solidFill>
+                  <a:schemeClr val="tx1"/>
+                </a:solidFill>
+                <a:effectLst/>
+                <a:latin typeface="Times New Roman" panose="02020603050405020304" pitchFamily="18" charset="0"/>
+                <a:cs typeface="Times New Roman" panose="02020603050405020304" pitchFamily="18" charset="0"/>
+              </a:rPr>
+              <a:t>)</a:t>
+            </a:r>
+            <a:r>
+              <a:rPr kumimoji="0" lang="en-US" altLang="en-US" sz="1800" b="0" i="0" u="none" strike="noStrike" cap="none" normalizeH="0" baseline="0" dirty="0">
+                <a:ln>
+                  <a:noFill/>
+                </a:ln>
+                <a:solidFill>
+                  <a:schemeClr val="tx1"/>
+                </a:solidFill>
+                <a:effectLst/>
+                <a:latin typeface="Times New Roman" panose="02020603050405020304" pitchFamily="18" charset="0"/>
+                <a:cs typeface="Times New Roman" panose="02020603050405020304" pitchFamily="18" charset="0"/>
+              </a:rPr>
+              <a:t> for high-fidelity, realistic traffic and vehicle behavior simulations.</a:t>
+            </a:r>
+          </a:p>
+          <a:p>
+            <a:pPr marL="0" marR="0" lvl="0" indent="0" algn="just" defTabSz="914400" rtl="0" eaLnBrk="0" fontAlgn="base" latinLnBrk="0" hangingPunct="0">
+              <a:lnSpc>
+                <a:spcPct val="100000"/>
+              </a:lnSpc>
+              <a:spcBef>
+                <a:spcPct val="0"/>
+              </a:spcBef>
+              <a:spcAft>
+                <a:spcPct val="0"/>
+              </a:spcAft>
+              <a:buClrTx/>
+              <a:buSzTx/>
+              <a:buFontTx/>
+              <a:buChar char="•"/>
+              <a:tabLst/>
+            </a:pPr>
+            <a:r>
+              <a:rPr kumimoji="0" lang="en-US" altLang="en-US" sz="1800" b="0" i="0" u="none" strike="noStrike" cap="none" normalizeH="0" baseline="0" dirty="0">
+                <a:ln>
+                  <a:noFill/>
+                </a:ln>
+                <a:solidFill>
+                  <a:schemeClr val="tx1"/>
+                </a:solidFill>
+                <a:effectLst/>
+                <a:latin typeface="Times New Roman" panose="02020603050405020304" pitchFamily="18" charset="0"/>
+                <a:cs typeface="Times New Roman" panose="02020603050405020304" pitchFamily="18" charset="0"/>
+              </a:rPr>
+              <a:t>Implements </a:t>
+            </a:r>
+            <a:r>
+              <a:rPr kumimoji="0" lang="en-US" altLang="en-US" sz="1800" b="1" i="0" u="none" strike="noStrike" cap="none" normalizeH="0" baseline="0" dirty="0">
+                <a:ln>
+                  <a:noFill/>
+                </a:ln>
+                <a:solidFill>
+                  <a:schemeClr val="tx1"/>
+                </a:solidFill>
+                <a:effectLst/>
+                <a:latin typeface="Times New Roman" panose="02020603050405020304" pitchFamily="18" charset="0"/>
+                <a:cs typeface="Times New Roman" panose="02020603050405020304" pitchFamily="18" charset="0"/>
+              </a:rPr>
+              <a:t>Full Velocity Difference (FVD)</a:t>
+            </a:r>
+            <a:r>
+              <a:rPr kumimoji="0" lang="en-US" altLang="en-US" sz="1800" b="0" i="0" u="none" strike="noStrike" cap="none" normalizeH="0" baseline="0" dirty="0">
+                <a:ln>
+                  <a:noFill/>
+                </a:ln>
+                <a:solidFill>
+                  <a:schemeClr val="tx1"/>
+                </a:solidFill>
+                <a:effectLst/>
+                <a:latin typeface="Times New Roman" panose="02020603050405020304" pitchFamily="18" charset="0"/>
+                <a:cs typeface="Times New Roman" panose="02020603050405020304" pitchFamily="18" charset="0"/>
+              </a:rPr>
+              <a:t> model for passenger comfort and smooth driving.</a:t>
+            </a:r>
+          </a:p>
+          <a:p>
+            <a:pPr marL="0" marR="0" lvl="0" indent="0" algn="just" defTabSz="914400" rtl="0" eaLnBrk="0" fontAlgn="base" latinLnBrk="0" hangingPunct="0">
+              <a:lnSpc>
+                <a:spcPct val="100000"/>
+              </a:lnSpc>
+              <a:spcBef>
+                <a:spcPct val="0"/>
+              </a:spcBef>
+              <a:spcAft>
+                <a:spcPct val="0"/>
+              </a:spcAft>
+              <a:buClrTx/>
+              <a:buSzTx/>
+              <a:buFontTx/>
+              <a:buChar char="•"/>
+              <a:tabLst/>
+            </a:pPr>
+            <a:r>
+              <a:rPr kumimoji="0" lang="en-US" altLang="en-US" sz="1800" b="0" i="0" u="none" strike="noStrike" cap="none" normalizeH="0" baseline="0" dirty="0">
+                <a:ln>
+                  <a:noFill/>
+                </a:ln>
+                <a:solidFill>
+                  <a:schemeClr val="tx1"/>
+                </a:solidFill>
+                <a:effectLst/>
+                <a:latin typeface="Times New Roman" panose="02020603050405020304" pitchFamily="18" charset="0"/>
+                <a:cs typeface="Times New Roman" panose="02020603050405020304" pitchFamily="18" charset="0"/>
+              </a:rPr>
+              <a:t>Applies </a:t>
+            </a:r>
+            <a:r>
+              <a:rPr kumimoji="0" lang="en-US" altLang="en-US" sz="1800" b="1" i="0" u="none" strike="noStrike" cap="none" normalizeH="0" baseline="0" dirty="0">
+                <a:ln>
+                  <a:noFill/>
+                </a:ln>
+                <a:solidFill>
+                  <a:schemeClr val="tx1"/>
+                </a:solidFill>
+                <a:effectLst/>
+                <a:latin typeface="Times New Roman" panose="02020603050405020304" pitchFamily="18" charset="0"/>
+                <a:cs typeface="Times New Roman" panose="02020603050405020304" pitchFamily="18" charset="0"/>
+              </a:rPr>
+              <a:t>Signal Temporal Logic (STL)</a:t>
+            </a:r>
+            <a:r>
+              <a:rPr kumimoji="0" lang="en-US" altLang="en-US" sz="1800" b="0" i="0" u="none" strike="noStrike" cap="none" normalizeH="0" baseline="0" dirty="0">
+                <a:ln>
+                  <a:noFill/>
+                </a:ln>
+                <a:solidFill>
+                  <a:schemeClr val="tx1"/>
+                </a:solidFill>
+                <a:effectLst/>
+                <a:latin typeface="Times New Roman" panose="02020603050405020304" pitchFamily="18" charset="0"/>
+                <a:cs typeface="Times New Roman" panose="02020603050405020304" pitchFamily="18" charset="0"/>
+              </a:rPr>
+              <a:t> for runtime safety verification of vehicle decisions.</a:t>
+            </a:r>
+          </a:p>
+          <a:p>
+            <a:pPr marL="0" marR="0" lvl="0" indent="0" algn="just" defTabSz="914400" rtl="0" eaLnBrk="0" fontAlgn="base" latinLnBrk="0" hangingPunct="0">
+              <a:lnSpc>
+                <a:spcPct val="100000"/>
+              </a:lnSpc>
+              <a:spcBef>
+                <a:spcPct val="0"/>
+              </a:spcBef>
+              <a:spcAft>
+                <a:spcPct val="0"/>
+              </a:spcAft>
+              <a:buClrTx/>
+              <a:buSzTx/>
+              <a:buFontTx/>
+              <a:buChar char="•"/>
+              <a:tabLst/>
+            </a:pPr>
+            <a:r>
+              <a:rPr kumimoji="0" lang="en-US" altLang="en-US" sz="1800" b="0" i="0" u="none" strike="noStrike" cap="none" normalizeH="0" baseline="0" dirty="0">
+                <a:ln>
+                  <a:noFill/>
+                </a:ln>
+                <a:solidFill>
+                  <a:schemeClr val="tx1"/>
+                </a:solidFill>
+                <a:effectLst/>
+                <a:latin typeface="Times New Roman" panose="02020603050405020304" pitchFamily="18" charset="0"/>
+                <a:cs typeface="Times New Roman" panose="02020603050405020304" pitchFamily="18" charset="0"/>
+              </a:rPr>
+              <a:t>Aims to provide a </a:t>
+            </a:r>
+            <a:r>
+              <a:rPr kumimoji="0" lang="en-US" altLang="en-US" sz="1800" b="1" i="0" u="none" strike="noStrike" cap="none" normalizeH="0" baseline="0" dirty="0">
+                <a:ln>
+                  <a:noFill/>
+                </a:ln>
+                <a:solidFill>
+                  <a:schemeClr val="tx1"/>
+                </a:solidFill>
+                <a:effectLst/>
+                <a:latin typeface="Times New Roman" panose="02020603050405020304" pitchFamily="18" charset="0"/>
+                <a:cs typeface="Times New Roman" panose="02020603050405020304" pitchFamily="18" charset="0"/>
+              </a:rPr>
+              <a:t>modular, scalable, and safe</a:t>
+            </a:r>
+            <a:r>
+              <a:rPr kumimoji="0" lang="en-US" altLang="en-US" sz="1800" b="0" i="0" u="none" strike="noStrike" cap="none" normalizeH="0" baseline="0" dirty="0">
+                <a:ln>
+                  <a:noFill/>
+                </a:ln>
+                <a:solidFill>
+                  <a:schemeClr val="tx1"/>
+                </a:solidFill>
+                <a:effectLst/>
+                <a:latin typeface="Times New Roman" panose="02020603050405020304" pitchFamily="18" charset="0"/>
+                <a:cs typeface="Times New Roman" panose="02020603050405020304" pitchFamily="18" charset="0"/>
+              </a:rPr>
+              <a:t> simulation platform for testing real-world autonomous driving scenarios.</a:t>
+            </a:r>
+          </a:p>
+        </p:txBody>
+      </p:sp>
     </p:spTree>
   </p:cSld>
   <p:clrMapOvr>
@@ -15756,7 +17143,7 @@
         </p:nvSpPr>
         <p:spPr>
           <a:xfrm>
-            <a:off x="-228600" y="1287448"/>
+            <a:off x="0" y="1287448"/>
             <a:ext cx="9144000" cy="4643470"/>
           </a:xfrm>
           <a:prstGeom prst="rect">
@@ -15789,13 +17176,13 @@
               <a:buSzPts val="2600"/>
               <a:buNone/>
             </a:pPr>
-            <a:endParaRPr sz="1800" b="1" dirty="0">
+            <a:endParaRPr lang="en-US" sz="1800" b="1" dirty="0">
               <a:solidFill>
                 <a:schemeClr val="dk1"/>
               </a:solidFill>
-              <a:latin typeface="Times New Roman"/>
+              <a:latin typeface="Times New Roman" panose="02020603050405020304" pitchFamily="18" charset="0"/>
               <a:ea typeface="Times New Roman"/>
-              <a:cs typeface="Times New Roman"/>
+              <a:cs typeface="Times New Roman" panose="02020603050405020304" pitchFamily="18" charset="0"/>
               <a:sym typeface="Times New Roman"/>
             </a:endParaRPr>
           </a:p>
@@ -15821,14 +17208,17 @@
                 <a:solidFill>
                   <a:schemeClr val="dk1"/>
                 </a:solidFill>
-                <a:latin typeface="Times New Roman"/>
+                <a:latin typeface="Times New Roman" panose="02020603050405020304" pitchFamily="18" charset="0"/>
                 <a:ea typeface="Times New Roman"/>
-                <a:cs typeface="Times New Roman"/>
+                <a:cs typeface="Times New Roman" panose="02020603050405020304" pitchFamily="18" charset="0"/>
                 <a:sym typeface="Times New Roman"/>
               </a:rPr>
               <a:t>    Problem Statement:-</a:t>
             </a:r>
-            <a:endParaRPr dirty="0"/>
+            <a:endParaRPr lang="en-US" dirty="0">
+              <a:latin typeface="Times New Roman" panose="02020603050405020304" pitchFamily="18" charset="0"/>
+              <a:cs typeface="Times New Roman" panose="02020603050405020304" pitchFamily="18" charset="0"/>
+            </a:endParaRPr>
           </a:p>
           <a:p>
             <a:pPr algn="just">
@@ -15840,16 +17230,16 @@
               </a:spcAft>
             </a:pPr>
             <a:r>
-              <a:rPr lang="en-IN" sz="1800" kern="100" dirty="0">
+              <a:rPr lang="en-US" sz="1800" kern="100" dirty="0">
                 <a:solidFill>
                   <a:schemeClr val="tx1"/>
                 </a:solidFill>
                 <a:effectLst/>
-                <a:latin typeface="Calibri" panose="020F0502020204030204" pitchFamily="34" charset="0"/>
+                <a:latin typeface="Times New Roman" panose="02020603050405020304" pitchFamily="18" charset="0"/>
                 <a:ea typeface="Calibri" panose="020F0502020204030204" pitchFamily="34" charset="0"/>
                 <a:cs typeface="Times New Roman" panose="02020603050405020304" pitchFamily="18" charset="0"/>
               </a:rPr>
-              <a:t>        Current autonomous vehicle systems face major challenges in achieving real-time adaptability, safety, communication reliability, and energy-efficient decision-making under dynamic traffic and environmental conditions. While path planning approaches based on traditional algorithms or Deep Reinforcement Learning (DRL) offer partial solutions, they struggle with generalization, interpretability, and real-world deployment. Similarly, 5G/6G-enabled V2X communication and Wireless Sensor Networks (WSNs) improve simulation metrics but lack integrated, resilient, and intelligent frameworks in real-world mixed traffic environments. A unified system that combines adaptive learning-based motion planning, formal safety guarantees, reliable communication, and energy-aware routing is crucial to bridge this gap and enable robust, scalable, and sustainable autonomous vehicle operation.</a:t>
+              <a:t>        Enhancing autonomous vehicle performance requires a unified framework that integrates adaptive planning, formal safety, efficient V2X communication, and energy-aware decision-making. Combining these elements supports real-time, reliable, and sustainable operation in dynamic traffic environments.</a:t>
             </a:r>
           </a:p>
         </p:txBody>
@@ -16313,7 +17703,6 @@
               <a:spcBef>
                 <a:spcPts val="480"/>
               </a:spcBef>
-              <a:buNone/>
             </a:pPr>
             <a:r>
               <a:rPr lang="en-IN" sz="1800" b="1" dirty="0">
@@ -16321,7 +17710,7 @@
                 <a:latin typeface="Times New Roman" panose="02020603050405020304" pitchFamily="18" charset="0"/>
                 <a:ea typeface="Times New Roman" panose="02020603050405020304" pitchFamily="18" charset="0"/>
               </a:rPr>
-              <a:t> Adaptive Path Planning: </a:t>
+              <a:t>Adaptive Path Planning: </a:t>
             </a:r>
             <a:r>
               <a:rPr lang="en-IN" sz="1800" dirty="0">
@@ -16340,7 +17729,6 @@
               <a:spcBef>
                 <a:spcPts val="480"/>
               </a:spcBef>
-              <a:buNone/>
             </a:pPr>
             <a:r>
               <a:rPr lang="en-IN" sz="1800" b="1" dirty="0">
@@ -16348,7 +17736,7 @@
                 <a:latin typeface="Times New Roman" panose="02020603050405020304" pitchFamily="18" charset="0"/>
                 <a:ea typeface="Times New Roman" panose="02020603050405020304" pitchFamily="18" charset="0"/>
               </a:rPr>
-              <a:t> Vehicle-to-Vehicle Communication (V2X): </a:t>
+              <a:t>Vehicle-to-Vehicle Communication (V2X): </a:t>
             </a:r>
             <a:r>
               <a:rPr lang="en-IN" sz="1800" dirty="0">
@@ -16367,7 +17755,6 @@
               <a:spcBef>
                 <a:spcPts val="480"/>
               </a:spcBef>
-              <a:buNone/>
             </a:pPr>
             <a:r>
               <a:rPr lang="en-IN" sz="1800" b="1" dirty="0">
@@ -16375,7 +17762,7 @@
                 <a:latin typeface="Times New Roman" panose="02020603050405020304" pitchFamily="18" charset="0"/>
                 <a:ea typeface="Times New Roman" panose="02020603050405020304" pitchFamily="18" charset="0"/>
               </a:rPr>
-              <a:t> Real-Time Replanning: </a:t>
+              <a:t>Real-Time Replanning: </a:t>
             </a:r>
             <a:r>
               <a:rPr lang="en-IN" sz="1800" dirty="0">
@@ -16394,7 +17781,6 @@
               <a:spcBef>
                 <a:spcPts val="480"/>
               </a:spcBef>
-              <a:buNone/>
             </a:pPr>
             <a:r>
               <a:rPr lang="en-IN" sz="1800" b="1" dirty="0">
@@ -16402,7 +17788,7 @@
                 <a:latin typeface="Times New Roman" panose="02020603050405020304" pitchFamily="18" charset="0"/>
                 <a:ea typeface="Times New Roman" panose="02020603050405020304" pitchFamily="18" charset="0"/>
               </a:rPr>
-              <a:t> Comfort and Safety Control: </a:t>
+              <a:t>Comfort and Safety Control: </a:t>
             </a:r>
             <a:r>
               <a:rPr lang="en-IN" sz="1800" dirty="0">
@@ -16421,7 +17807,6 @@
               <a:spcBef>
                 <a:spcPts val="480"/>
               </a:spcBef>
-              <a:buNone/>
             </a:pPr>
             <a:r>
               <a:rPr lang="en-IN" sz="1800" b="1" dirty="0">
@@ -16429,7 +17814,7 @@
                 <a:latin typeface="Times New Roman" panose="02020603050405020304" pitchFamily="18" charset="0"/>
                 <a:ea typeface="Times New Roman" panose="02020603050405020304" pitchFamily="18" charset="0"/>
               </a:rPr>
-              <a:t> Energy-Aware WSN Integration: </a:t>
+              <a:t>Energy-Aware WSN Integration: </a:t>
             </a:r>
             <a:r>
               <a:rPr lang="en-IN" sz="1800" dirty="0">
@@ -16441,14 +17826,13 @@
             </a:r>
           </a:p>
           <a:p>
-            <a:pPr marL="114300" indent="0" algn="just">
+            <a:pPr algn="just">
               <a:lnSpc>
                 <a:spcPct val="115000"/>
               </a:lnSpc>
               <a:spcBef>
                 <a:spcPts val="480"/>
               </a:spcBef>
-              <a:buNone/>
             </a:pPr>
             <a:r>
               <a:rPr lang="en-IN" sz="1800" b="1" dirty="0">
@@ -16456,7 +17840,7 @@
                 <a:latin typeface="Times New Roman" panose="02020603050405020304" pitchFamily="18" charset="0"/>
                 <a:ea typeface="Times New Roman" panose="02020603050405020304" pitchFamily="18" charset="0"/>
               </a:rPr>
-              <a:t> Formal Safety Verification: </a:t>
+              <a:t>Formal Safety Verification: </a:t>
             </a:r>
             <a:r>
               <a:rPr lang="en-IN" sz="1800" dirty="0">
@@ -16984,8 +18368,8 @@
                 <a:spcPts val="280"/>
               </a:spcBef>
               <a:buSzPts val="1000"/>
-              <a:buFont typeface="Courier New" panose="02070309020205020404" pitchFamily="49" charset="0"/>
-              <a:buChar char="o"/>
+              <a:buFont typeface="Arial" panose="020B0604020202020204" pitchFamily="34" charset="0"/>
+              <a:buChar char="•"/>
               <a:tabLst>
                 <a:tab pos="405130" algn="l"/>
                 <a:tab pos="914400" algn="l"/>
@@ -17013,8 +18397,8 @@
                 <a:spcPts val="280"/>
               </a:spcBef>
               <a:buSzPts val="1000"/>
-              <a:buFont typeface="Courier New" panose="02070309020205020404" pitchFamily="49" charset="0"/>
-              <a:buChar char="o"/>
+              <a:buFont typeface="Arial" panose="020B0604020202020204" pitchFamily="34" charset="0"/>
+              <a:buChar char="•"/>
               <a:tabLst>
                 <a:tab pos="405130" algn="l"/>
                 <a:tab pos="914400" algn="l"/>
@@ -17042,8 +18426,8 @@
                 <a:spcPts val="280"/>
               </a:spcBef>
               <a:buSzPts val="1000"/>
-              <a:buFont typeface="Courier New" panose="02070309020205020404" pitchFamily="49" charset="0"/>
-              <a:buChar char="o"/>
+              <a:buFont typeface="Arial" panose="020B0604020202020204" pitchFamily="34" charset="0"/>
+              <a:buChar char="•"/>
               <a:tabLst>
                 <a:tab pos="405130" algn="l"/>
                 <a:tab pos="914400" algn="l"/>
@@ -17096,8 +18480,8 @@
                 <a:spcPts val="280"/>
               </a:spcBef>
               <a:buSzPts val="1000"/>
-              <a:buFont typeface="Courier New" panose="02070309020205020404" pitchFamily="49" charset="0"/>
-              <a:buChar char="o"/>
+              <a:buFont typeface="Arial" panose="020B0604020202020204" pitchFamily="34" charset="0"/>
+              <a:buChar char="•"/>
               <a:tabLst>
                 <a:tab pos="405130" algn="l"/>
                 <a:tab pos="914400" algn="l"/>
@@ -17125,8 +18509,8 @@
                 <a:spcPts val="280"/>
               </a:spcBef>
               <a:buSzPts val="1000"/>
-              <a:buFont typeface="Courier New" panose="02070309020205020404" pitchFamily="49" charset="0"/>
-              <a:buChar char="o"/>
+              <a:buFont typeface="Arial" panose="020B0604020202020204" pitchFamily="34" charset="0"/>
+              <a:buChar char="•"/>
               <a:tabLst>
                 <a:tab pos="405130" algn="l"/>
                 <a:tab pos="914400" algn="l"/>
@@ -17179,8 +18563,8 @@
                 <a:spcPts val="280"/>
               </a:spcBef>
               <a:buSzPts val="1000"/>
-              <a:buFont typeface="Courier New" panose="02070309020205020404" pitchFamily="49" charset="0"/>
-              <a:buChar char="o"/>
+              <a:buFont typeface="Arial" panose="020B0604020202020204" pitchFamily="34" charset="0"/>
+              <a:buChar char="•"/>
               <a:tabLst>
                 <a:tab pos="405130" algn="l"/>
                 <a:tab pos="914400" algn="l"/>
@@ -17208,8 +18592,8 @@
                 <a:spcPts val="280"/>
               </a:spcBef>
               <a:buSzPts val="1000"/>
-              <a:buFont typeface="Courier New" panose="02070309020205020404" pitchFamily="49" charset="0"/>
-              <a:buChar char="o"/>
+              <a:buFont typeface="Arial" panose="020B0604020202020204" pitchFamily="34" charset="0"/>
+              <a:buChar char="•"/>
               <a:tabLst>
                 <a:tab pos="405130" algn="l"/>
                 <a:tab pos="914400" algn="l"/>
@@ -17262,8 +18646,8 @@
                 <a:spcPts val="280"/>
               </a:spcBef>
               <a:buSzPts val="1000"/>
-              <a:buFont typeface="Courier New" panose="02070309020205020404" pitchFamily="49" charset="0"/>
-              <a:buChar char="o"/>
+              <a:buFont typeface="Arial" panose="020B0604020202020204" pitchFamily="34" charset="0"/>
+              <a:buChar char="•"/>
               <a:tabLst>
                 <a:tab pos="405130" algn="l"/>
                 <a:tab pos="914400" algn="l"/>
@@ -17291,8 +18675,8 @@
                 <a:spcPts val="280"/>
               </a:spcBef>
               <a:buSzPts val="1000"/>
-              <a:buFont typeface="Courier New" panose="02070309020205020404" pitchFamily="49" charset="0"/>
-              <a:buChar char="o"/>
+              <a:buFont typeface="Arial" panose="020B0604020202020204" pitchFamily="34" charset="0"/>
+              <a:buChar char="•"/>
               <a:tabLst>
                 <a:tab pos="405130" algn="l"/>
                 <a:tab pos="914400" algn="l"/>
@@ -17345,8 +18729,8 @@
                 <a:spcPts val="280"/>
               </a:spcBef>
               <a:buSzPts val="1000"/>
-              <a:buFont typeface="Courier New" panose="02070309020205020404" pitchFamily="49" charset="0"/>
-              <a:buChar char="o"/>
+              <a:buFont typeface="Arial" panose="020B0604020202020204" pitchFamily="34" charset="0"/>
+              <a:buChar char="•"/>
               <a:tabLst>
                 <a:tab pos="405130" algn="l"/>
                 <a:tab pos="914400" algn="l"/>
@@ -17374,8 +18758,8 @@
                 <a:spcPts val="280"/>
               </a:spcBef>
               <a:buSzPts val="1000"/>
-              <a:buFont typeface="Courier New" panose="02070309020205020404" pitchFamily="49" charset="0"/>
-              <a:buChar char="o"/>
+              <a:buFont typeface="Arial" panose="020B0604020202020204" pitchFamily="34" charset="0"/>
+              <a:buChar char="•"/>
               <a:tabLst>
                 <a:tab pos="405130" algn="l"/>
                 <a:tab pos="914400" algn="l"/>
@@ -17867,11 +19251,17 @@
               <a:buChar char="•"/>
             </a:pPr>
             <a:r>
-              <a:rPr lang="en-IN" sz="2000" b="1" dirty="0"/>
+              <a:rPr lang="en-IN" sz="2000" b="1" dirty="0">
+                <a:latin typeface="Times New Roman" panose="02020603050405020304" pitchFamily="18" charset="0"/>
+                <a:cs typeface="Times New Roman" panose="02020603050405020304" pitchFamily="18" charset="0"/>
+              </a:rPr>
               <a:t>Deep Reinforcement Learning (PPO, SAC):</a:t>
             </a:r>
             <a:r>
-              <a:rPr lang="en-IN" sz="2000" dirty="0"/>
+              <a:rPr lang="en-IN" sz="2000" dirty="0">
+                <a:latin typeface="Times New Roman" panose="02020603050405020304" pitchFamily="18" charset="0"/>
+                <a:cs typeface="Times New Roman" panose="02020603050405020304" pitchFamily="18" charset="0"/>
+              </a:rPr>
               <a:t> Used for adaptive global path planning in dynamic environments.</a:t>
             </a:r>
           </a:p>
@@ -17881,11 +19271,17 @@
               <a:buChar char="•"/>
             </a:pPr>
             <a:r>
-              <a:rPr lang="en-IN" sz="2000" i="1" dirty="0"/>
+              <a:rPr lang="en-IN" sz="2000" i="1" dirty="0">
+                <a:latin typeface="Times New Roman" panose="02020603050405020304" pitchFamily="18" charset="0"/>
+                <a:cs typeface="Times New Roman" panose="02020603050405020304" pitchFamily="18" charset="0"/>
+              </a:rPr>
               <a:t>A and RRT* Algorithms:</a:t>
             </a:r>
             <a:r>
-              <a:rPr lang="en-IN" sz="2000" dirty="0"/>
+              <a:rPr lang="en-IN" sz="2000" dirty="0">
+                <a:latin typeface="Times New Roman" panose="02020603050405020304" pitchFamily="18" charset="0"/>
+                <a:cs typeface="Times New Roman" panose="02020603050405020304" pitchFamily="18" charset="0"/>
+              </a:rPr>
               <a:t>* Classical techniques for initial path estimation and deterministic route generation.</a:t>
             </a:r>
           </a:p>
@@ -17895,11 +19291,17 @@
               <a:buChar char="•"/>
             </a:pPr>
             <a:r>
-              <a:rPr lang="en-IN" sz="2000" b="1" dirty="0"/>
+              <a:rPr lang="en-IN" sz="2000" b="1" dirty="0">
+                <a:latin typeface="Times New Roman" panose="02020603050405020304" pitchFamily="18" charset="0"/>
+                <a:cs typeface="Times New Roman" panose="02020603050405020304" pitchFamily="18" charset="0"/>
+              </a:rPr>
               <a:t>Model Predictive Control (MPC):</a:t>
             </a:r>
             <a:r>
-              <a:rPr lang="en-IN" sz="2000" dirty="0"/>
+              <a:rPr lang="en-IN" sz="2000" dirty="0">
+                <a:latin typeface="Times New Roman" panose="02020603050405020304" pitchFamily="18" charset="0"/>
+                <a:cs typeface="Times New Roman" panose="02020603050405020304" pitchFamily="18" charset="0"/>
+              </a:rPr>
               <a:t> Applied for local real-time trajectory correction and obstacle avoidance.</a:t>
             </a:r>
           </a:p>
@@ -17909,11 +19311,17 @@
               <a:buChar char="•"/>
             </a:pPr>
             <a:r>
-              <a:rPr lang="en-IN" sz="2000" b="1" dirty="0"/>
+              <a:rPr lang="en-IN" sz="2000" b="1" dirty="0">
+                <a:latin typeface="Times New Roman" panose="02020603050405020304" pitchFamily="18" charset="0"/>
+                <a:cs typeface="Times New Roman" panose="02020603050405020304" pitchFamily="18" charset="0"/>
+              </a:rPr>
               <a:t>Full Velocity Difference (FVD) Model:</a:t>
             </a:r>
             <a:r>
-              <a:rPr lang="en-IN" sz="2000" dirty="0"/>
+              <a:rPr lang="en-IN" sz="2000" dirty="0">
+                <a:latin typeface="Times New Roman" panose="02020603050405020304" pitchFamily="18" charset="0"/>
+                <a:cs typeface="Times New Roman" panose="02020603050405020304" pitchFamily="18" charset="0"/>
+              </a:rPr>
               <a:t> Ensures passenger comfort by minimizing acceleration and deceleration fluctuations.</a:t>
             </a:r>
           </a:p>
@@ -17923,19 +19331,31 @@
               <a:buChar char="•"/>
             </a:pPr>
             <a:r>
-              <a:rPr lang="en-IN" sz="2000" b="1" dirty="0"/>
+              <a:rPr lang="en-IN" sz="2000" b="1" dirty="0">
+                <a:latin typeface="Times New Roman" panose="02020603050405020304" pitchFamily="18" charset="0"/>
+                <a:cs typeface="Times New Roman" panose="02020603050405020304" pitchFamily="18" charset="0"/>
+              </a:rPr>
               <a:t>Signal Temporal Logic (STL):</a:t>
             </a:r>
             <a:r>
-              <a:rPr lang="en-IN" sz="2000" dirty="0"/>
+              <a:rPr lang="en-IN" sz="2000" dirty="0">
+                <a:latin typeface="Times New Roman" panose="02020603050405020304" pitchFamily="18" charset="0"/>
+                <a:cs typeface="Times New Roman" panose="02020603050405020304" pitchFamily="18" charset="0"/>
+              </a:rPr>
               <a:t> Used for formal runtime verification of safety rules and </a:t>
             </a:r>
             <a:r>
-              <a:rPr lang="en-IN" sz="2000" dirty="0" err="1"/>
+              <a:rPr lang="en-IN" sz="2000" dirty="0" err="1">
+                <a:latin typeface="Times New Roman" panose="02020603050405020304" pitchFamily="18" charset="0"/>
+                <a:cs typeface="Times New Roman" panose="02020603050405020304" pitchFamily="18" charset="0"/>
+              </a:rPr>
               <a:t>behavioral</a:t>
             </a:r>
             <a:r>
-              <a:rPr lang="en-IN" sz="2000" dirty="0"/>
+              <a:rPr lang="en-IN" sz="2000" dirty="0">
+                <a:latin typeface="Times New Roman" panose="02020603050405020304" pitchFamily="18" charset="0"/>
+                <a:cs typeface="Times New Roman" panose="02020603050405020304" pitchFamily="18" charset="0"/>
+              </a:rPr>
               <a:t> constraints.</a:t>
             </a:r>
           </a:p>
@@ -17945,11 +19365,17 @@
               <a:buChar char="•"/>
             </a:pPr>
             <a:r>
-              <a:rPr lang="en-IN" sz="2000" b="1" dirty="0"/>
+              <a:rPr lang="en-IN" sz="2000" b="1" dirty="0">
+                <a:latin typeface="Times New Roman" panose="02020603050405020304" pitchFamily="18" charset="0"/>
+                <a:cs typeface="Times New Roman" panose="02020603050405020304" pitchFamily="18" charset="0"/>
+              </a:rPr>
               <a:t>IR-HARQ-Based V2X Groupcasting:</a:t>
             </a:r>
             <a:r>
-              <a:rPr lang="en-IN" sz="2000" dirty="0"/>
+              <a:rPr lang="en-IN" sz="2000" dirty="0">
+                <a:latin typeface="Times New Roman" panose="02020603050405020304" pitchFamily="18" charset="0"/>
+                <a:cs typeface="Times New Roman" panose="02020603050405020304" pitchFamily="18" charset="0"/>
+              </a:rPr>
               <a:t> Enhances communication reliability and responsiveness between vehicles using 5G/6G.</a:t>
             </a:r>
           </a:p>
@@ -17959,11 +19385,17 @@
               <a:buChar char="•"/>
             </a:pPr>
             <a:r>
-              <a:rPr lang="en-IN" sz="2000" b="1" dirty="0"/>
+              <a:rPr lang="en-IN" sz="2000" b="1" dirty="0">
+                <a:latin typeface="Times New Roman" panose="02020603050405020304" pitchFamily="18" charset="0"/>
+                <a:cs typeface="Times New Roman" panose="02020603050405020304" pitchFamily="18" charset="0"/>
+              </a:rPr>
               <a:t>MOISA (Multi-Objective Improved Seagull Algorithm):</a:t>
             </a:r>
             <a:r>
-              <a:rPr lang="en-IN" sz="2000" dirty="0"/>
+              <a:rPr lang="en-IN" sz="2000" dirty="0">
+                <a:latin typeface="Times New Roman" panose="02020603050405020304" pitchFamily="18" charset="0"/>
+                <a:cs typeface="Times New Roman" panose="02020603050405020304" pitchFamily="18" charset="0"/>
+              </a:rPr>
               <a:t> Optimizes energy-efficient routing and cluster formation in Wireless Sensor Networks (WSNs).</a:t>
             </a:r>
           </a:p>
@@ -17982,9 +19414,9 @@
               <a:buNone/>
             </a:pPr>
             <a:endParaRPr sz="3600" dirty="0">
-              <a:latin typeface="Times New Roman"/>
+              <a:latin typeface="Times New Roman" panose="02020603050405020304" pitchFamily="18" charset="0"/>
               <a:ea typeface="Times New Roman"/>
-              <a:cs typeface="Times New Roman"/>
+              <a:cs typeface="Times New Roman" panose="02020603050405020304" pitchFamily="18" charset="0"/>
               <a:sym typeface="Times New Roman"/>
             </a:endParaRPr>
           </a:p>
